--- a/Courses/Applied-Programmer/Programming-Basics/03-Условни-конструкции/05.Логически-изрази-и-проверки.pptx
+++ b/Courses/Applied-Programmer/Programming-Basics/03-Условни-конструкции/05.Логически-изрази-и-проверки.pptx
@@ -314,7 +314,7 @@
             <a:fld id="{FE5B4EDC-59C0-49C7-8ADA-5A781B329E02}" type="datetimeFigureOut">
               <a:rPr lang="en-US"/>
               <a:pPr/>
-              <a:t>16-Dec-19</a:t>
+              <a:t>09-Nov-20</a:t>
             </a:fld>
             <a:endParaRPr dirty="0"/>
           </a:p>
@@ -612,7 +612,7 @@
             <a:fld id="{F2D8D46A-B586-417D-BFBD-8C8FE0AAF762}" type="datetimeFigureOut">
               <a:rPr lang="en-US" smtClean="0"/>
               <a:pPr/>
-              <a:t>16-Dec-19</a:t>
+              <a:t>09-Nov-20</a:t>
             </a:fld>
             <a:endParaRPr lang="en-US" dirty="0"/>
           </a:p>
@@ -12123,6 +12123,64 @@
           </a:p>
         </p:txBody>
       </p:sp>
+      <p:sp>
+        <p:nvSpPr>
+          <p:cNvPr id="3" name="Текстово поле 2">
+            <a:extLst>
+              <a:ext uri="{FF2B5EF4-FFF2-40B4-BE49-F238E27FC236}">
+                <a16:creationId xmlns:a16="http://schemas.microsoft.com/office/drawing/2014/main" id="{184C41B5-8C1A-49F3-A0D9-FC4AE8B3FAE8}"/>
+              </a:ext>
+            </a:extLst>
+          </p:cNvPr>
+          <p:cNvSpPr txBox="1"/>
+          <p:nvPr/>
+        </p:nvSpPr>
+        <p:spPr>
+          <a:xfrm>
+            <a:off x="319027" y="5899635"/>
+            <a:ext cx="11544397" cy="461665"/>
+          </a:xfrm>
+          <a:prstGeom prst="rect">
+            <a:avLst/>
+          </a:prstGeom>
+          <a:noFill/>
+        </p:spPr>
+        <p:txBody>
+          <a:bodyPr wrap="square" rtlCol="0">
+            <a:spAutoFit/>
+          </a:bodyPr>
+          <a:lstStyle/>
+          <a:p>
+            <a:r>
+              <a:rPr lang="bg-BG" dirty="0"/>
+              <a:t>Тествайте в </a:t>
+            </a:r>
+            <a:r>
+              <a:rPr lang="en-US" dirty="0"/>
+              <a:t>Judge: </a:t>
+            </a:r>
+            <a:r>
+              <a:rPr lang="en-US" b="0" i="0" u="sng" strike="noStrike" baseline="0" dirty="0">
+                <a:solidFill>
+                  <a:srgbClr val="0563C1"/>
+                </a:solidFill>
+                <a:hlinkClick r:id="rId2"/>
+              </a:rPr>
+              <a:t>https://judge.softuni.bg/Contests/2632/</a:t>
+            </a:r>
+            <a:r>
+              <a:rPr lang="bg-BG" b="0" i="0" u="sng" strike="noStrike" baseline="0" dirty="0">
+                <a:solidFill>
+                  <a:srgbClr val="0563C1"/>
+                </a:solidFill>
+                <a:hlinkClick r:id="rId2"/>
+              </a:rPr>
+              <a:t>Логически-изрази-и-проверки</a:t>
+            </a:r>
+            <a:endParaRPr lang="en-US" dirty="0"/>
+          </a:p>
+        </p:txBody>
+      </p:sp>
     </p:spTree>
     <p:extLst>
       <p:ext uri="{BB962C8B-B14F-4D97-AF65-F5344CB8AC3E}">
@@ -12675,6 +12733,64 @@
                 </a:prstClr>
               </a:solidFill>
             </a:endParaRPr>
+          </a:p>
+        </p:txBody>
+      </p:sp>
+      <p:sp>
+        <p:nvSpPr>
+          <p:cNvPr id="9" name="Текстово поле 8">
+            <a:extLst>
+              <a:ext uri="{FF2B5EF4-FFF2-40B4-BE49-F238E27FC236}">
+                <a16:creationId xmlns:a16="http://schemas.microsoft.com/office/drawing/2014/main" id="{41F21E86-51B5-44D5-81E2-4BF4D022695B}"/>
+              </a:ext>
+            </a:extLst>
+          </p:cNvPr>
+          <p:cNvSpPr txBox="1"/>
+          <p:nvPr/>
+        </p:nvSpPr>
+        <p:spPr>
+          <a:xfrm>
+            <a:off x="319027" y="6063337"/>
+            <a:ext cx="11544397" cy="461665"/>
+          </a:xfrm>
+          <a:prstGeom prst="rect">
+            <a:avLst/>
+          </a:prstGeom>
+          <a:noFill/>
+        </p:spPr>
+        <p:txBody>
+          <a:bodyPr wrap="square" rtlCol="0">
+            <a:spAutoFit/>
+          </a:bodyPr>
+          <a:lstStyle/>
+          <a:p>
+            <a:r>
+              <a:rPr lang="bg-BG" dirty="0"/>
+              <a:t>Тествайте в </a:t>
+            </a:r>
+            <a:r>
+              <a:rPr lang="en-US" dirty="0"/>
+              <a:t>Judge: </a:t>
+            </a:r>
+            <a:r>
+              <a:rPr lang="en-US" b="0" i="0" u="sng" strike="noStrike" baseline="0" dirty="0">
+                <a:solidFill>
+                  <a:srgbClr val="0563C1"/>
+                </a:solidFill>
+                <a:hlinkClick r:id="rId2"/>
+              </a:rPr>
+              <a:t>https://judge.softuni.bg/Contests/2632/</a:t>
+            </a:r>
+            <a:r>
+              <a:rPr lang="bg-BG" b="0" i="0" u="sng" strike="noStrike" baseline="0" dirty="0">
+                <a:solidFill>
+                  <a:srgbClr val="0563C1"/>
+                </a:solidFill>
+                <a:hlinkClick r:id="rId2"/>
+              </a:rPr>
+              <a:t>Логически-изрази-и-проверки</a:t>
+            </a:r>
+            <a:endParaRPr lang="en-US" dirty="0"/>
           </a:p>
         </p:txBody>
       </p:sp>
@@ -15024,6 +15140,64 @@
           </a:p>
         </p:txBody>
       </p:sp>
+      <p:sp>
+        <p:nvSpPr>
+          <p:cNvPr id="2" name="Текстово поле 1">
+            <a:extLst>
+              <a:ext uri="{FF2B5EF4-FFF2-40B4-BE49-F238E27FC236}">
+                <a16:creationId xmlns:a16="http://schemas.microsoft.com/office/drawing/2014/main" id="{4CCF4EE4-838D-46E5-A330-8A3FE5F28894}"/>
+              </a:ext>
+            </a:extLst>
+          </p:cNvPr>
+          <p:cNvSpPr txBox="1"/>
+          <p:nvPr/>
+        </p:nvSpPr>
+        <p:spPr>
+          <a:xfrm>
+            <a:off x="319027" y="6163794"/>
+            <a:ext cx="11544397" cy="461665"/>
+          </a:xfrm>
+          <a:prstGeom prst="rect">
+            <a:avLst/>
+          </a:prstGeom>
+          <a:noFill/>
+        </p:spPr>
+        <p:txBody>
+          <a:bodyPr wrap="square" rtlCol="0">
+            <a:spAutoFit/>
+          </a:bodyPr>
+          <a:lstStyle/>
+          <a:p>
+            <a:r>
+              <a:rPr lang="bg-BG" dirty="0"/>
+              <a:t>Тествайте в </a:t>
+            </a:r>
+            <a:r>
+              <a:rPr lang="en-US" dirty="0"/>
+              <a:t>Judge: </a:t>
+            </a:r>
+            <a:r>
+              <a:rPr lang="en-US" b="0" i="0" u="sng" strike="noStrike" baseline="0" dirty="0">
+                <a:solidFill>
+                  <a:srgbClr val="0563C1"/>
+                </a:solidFill>
+                <a:hlinkClick r:id="rId2"/>
+              </a:rPr>
+              <a:t>https://judge.softuni.bg/Contests/2632/</a:t>
+            </a:r>
+            <a:r>
+              <a:rPr lang="bg-BG" b="0" i="0" u="sng" strike="noStrike" baseline="0" dirty="0">
+                <a:solidFill>
+                  <a:srgbClr val="0563C1"/>
+                </a:solidFill>
+                <a:hlinkClick r:id="rId2"/>
+              </a:rPr>
+              <a:t>Логически-изрази-и-проверки</a:t>
+            </a:r>
+            <a:endParaRPr lang="en-US" dirty="0"/>
+          </a:p>
+        </p:txBody>
+      </p:sp>
     </p:spTree>
     <p:extLst>
       <p:ext uri="{BB962C8B-B14F-4D97-AF65-F5344CB8AC3E}">
@@ -15551,6 +15725,64 @@
                 </a:prstClr>
               </a:solidFill>
             </a:endParaRPr>
+          </a:p>
+        </p:txBody>
+      </p:sp>
+      <p:sp>
+        <p:nvSpPr>
+          <p:cNvPr id="2" name="Текстово поле 1">
+            <a:extLst>
+              <a:ext uri="{FF2B5EF4-FFF2-40B4-BE49-F238E27FC236}">
+                <a16:creationId xmlns:a16="http://schemas.microsoft.com/office/drawing/2014/main" id="{D5F3D6C2-AC94-456A-A8A6-67685E3E4E79}"/>
+              </a:ext>
+            </a:extLst>
+          </p:cNvPr>
+          <p:cNvSpPr txBox="1"/>
+          <p:nvPr/>
+        </p:nvSpPr>
+        <p:spPr>
+          <a:xfrm>
+            <a:off x="319027" y="6154917"/>
+            <a:ext cx="11544397" cy="461665"/>
+          </a:xfrm>
+          <a:prstGeom prst="rect">
+            <a:avLst/>
+          </a:prstGeom>
+          <a:noFill/>
+        </p:spPr>
+        <p:txBody>
+          <a:bodyPr wrap="square" rtlCol="0">
+            <a:spAutoFit/>
+          </a:bodyPr>
+          <a:lstStyle/>
+          <a:p>
+            <a:r>
+              <a:rPr lang="bg-BG" dirty="0"/>
+              <a:t>Тествайте в </a:t>
+            </a:r>
+            <a:r>
+              <a:rPr lang="en-US" dirty="0"/>
+              <a:t>Judge: </a:t>
+            </a:r>
+            <a:r>
+              <a:rPr lang="en-US" b="0" i="0" u="sng" strike="noStrike" baseline="0" dirty="0">
+                <a:solidFill>
+                  <a:srgbClr val="0563C1"/>
+                </a:solidFill>
+                <a:hlinkClick r:id="rId2"/>
+              </a:rPr>
+              <a:t>https://judge.softuni.bg/Contests/2632/</a:t>
+            </a:r>
+            <a:r>
+              <a:rPr lang="bg-BG" b="0" i="0" u="sng" strike="noStrike" baseline="0" dirty="0">
+                <a:solidFill>
+                  <a:srgbClr val="0563C1"/>
+                </a:solidFill>
+                <a:hlinkClick r:id="rId2"/>
+              </a:rPr>
+              <a:t>Логически-изрази-и-проверки</a:t>
+            </a:r>
+            <a:endParaRPr lang="en-US" dirty="0"/>
           </a:p>
         </p:txBody>
       </p:sp>

--- a/Courses/Applied-Programmer/Programming-Basics/03-Условни-конструкции/05.Логически-изрази-и-проверки.pptx
+++ b/Courses/Applied-Programmer/Programming-Basics/03-Условни-конструкции/05.Логически-изрази-и-проверки.pptx
@@ -314,7 +314,7 @@
             <a:fld id="{FE5B4EDC-59C0-49C7-8ADA-5A781B329E02}" type="datetimeFigureOut">
               <a:rPr lang="en-US"/>
               <a:pPr/>
-              <a:t>09-Nov-20</a:t>
+              <a:t>11-Nov-20</a:t>
             </a:fld>
             <a:endParaRPr dirty="0"/>
           </a:p>
@@ -612,7 +612,7 @@
             <a:fld id="{F2D8D46A-B586-417D-BFBD-8C8FE0AAF762}" type="datetimeFigureOut">
               <a:rPr lang="en-US" smtClean="0"/>
               <a:pPr/>
-              <a:t>09-Nov-20</a:t>
+              <a:t>11-Nov-20</a:t>
             </a:fld>
             <a:endParaRPr lang="en-US" dirty="0"/>
           </a:p>
@@ -3759,7 +3759,7 @@
         </p:blipFill>
         <p:spPr bwMode="auto">
           <a:xfrm>
-            <a:off x="745783" y="4076772"/>
+            <a:off x="811178" y="4585619"/>
             <a:ext cx="2175525" cy="761165"/>
           </a:xfrm>
           <a:prstGeom prst="roundRect">
@@ -3798,7 +3798,7 @@
         </p:nvSpPr>
         <p:spPr bwMode="auto">
           <a:xfrm>
-            <a:off x="760413" y="4998598"/>
+            <a:off x="745783" y="5346784"/>
             <a:ext cx="3187614" cy="444343"/>
           </a:xfrm>
           <a:prstGeom prst="rect">
@@ -4033,7 +4033,7 @@
               <a:t>Учителски</a:t>
             </a:r>
             <a:r>
-              <a:rPr lang="bg-BG"/>
+              <a:rPr lang="bg-BG" dirty="0"/>
               <a:t> екип</a:t>
             </a:r>
           </a:p>
@@ -4055,7 +4055,7 @@
         </p:nvSpPr>
         <p:spPr bwMode="auto">
           <a:xfrm>
-            <a:off x="760412" y="5403725"/>
+            <a:off x="745783" y="5712657"/>
             <a:ext cx="3187613" cy="382788"/>
           </a:xfrm>
           <a:prstGeom prst="rect">
@@ -4289,7 +4289,7 @@
           </a:lstStyle>
           <a:p>
             <a:r>
-              <a:rPr lang="bg-BG"/>
+              <a:rPr lang="bg-BG" dirty="0"/>
               <a:t>Обучение за ИТ кариера</a:t>
             </a:r>
           </a:p>
@@ -4311,7 +4311,7 @@
         </p:nvSpPr>
         <p:spPr bwMode="auto">
           <a:xfrm>
-            <a:off x="760412" y="5690893"/>
+            <a:off x="745783" y="6006315"/>
             <a:ext cx="3810000" cy="458462"/>
           </a:xfrm>
           <a:prstGeom prst="rect">
@@ -4542,12 +4542,12 @@
           </a:lstStyle>
           <a:p>
             <a:r>
-              <a:rPr lang="en-GB">
+              <a:rPr lang="en-GB" dirty="0">
                 <a:hlinkClick r:id="rId6"/>
               </a:rPr>
               <a:t>https://it-kariera.mon.bg/e-learning/</a:t>
             </a:r>
-            <a:endParaRPr lang="en-GB"/>
+            <a:endParaRPr lang="en-GB" dirty="0"/>
           </a:p>
         </p:txBody>
       </p:sp>
@@ -4691,6 +4691,138 @@
           </a:prstGeom>
         </p:spPr>
       </p:pic>
+      <p:sp>
+        <p:nvSpPr>
+          <p:cNvPr id="11" name="Текстово поле 1">
+            <a:extLst>
+              <a:ext uri="{FF2B5EF4-FFF2-40B4-BE49-F238E27FC236}">
+                <a16:creationId xmlns:a16="http://schemas.microsoft.com/office/drawing/2014/main" id="{B398007E-9BC4-479A-87BF-1B270134F51F}"/>
+              </a:ext>
+            </a:extLst>
+          </p:cNvPr>
+          <p:cNvSpPr txBox="1"/>
+          <p:nvPr/>
+        </p:nvSpPr>
+        <p:spPr>
+          <a:xfrm>
+            <a:off x="684212" y="6401777"/>
+            <a:ext cx="11216029" cy="369332"/>
+          </a:xfrm>
+          <a:prstGeom prst="rect">
+            <a:avLst/>
+          </a:prstGeom>
+          <a:noFill/>
+        </p:spPr>
+        <p:txBody>
+          <a:bodyPr wrap="square" rtlCol="0">
+            <a:spAutoFit/>
+          </a:bodyPr>
+          <a:lstStyle>
+            <a:defPPr>
+              <a:defRPr lang="en-US"/>
+            </a:defPPr>
+            <a:lvl1pPr marL="0" algn="l" defTabSz="1218987" rtl="0" eaLnBrk="1" latinLnBrk="0" hangingPunct="1">
+              <a:defRPr sz="2400" kern="1200">
+                <a:solidFill>
+                  <a:schemeClr val="tx1"/>
+                </a:solidFill>
+                <a:latin typeface="+mn-lt"/>
+                <a:ea typeface="+mn-ea"/>
+                <a:cs typeface="+mn-cs"/>
+              </a:defRPr>
+            </a:lvl1pPr>
+            <a:lvl2pPr marL="609493" algn="l" defTabSz="1218987" rtl="0" eaLnBrk="1" latinLnBrk="0" hangingPunct="1">
+              <a:defRPr sz="2400" kern="1200">
+                <a:solidFill>
+                  <a:schemeClr val="tx1"/>
+                </a:solidFill>
+                <a:latin typeface="+mn-lt"/>
+                <a:ea typeface="+mn-ea"/>
+                <a:cs typeface="+mn-cs"/>
+              </a:defRPr>
+            </a:lvl2pPr>
+            <a:lvl3pPr marL="1218987" algn="l" defTabSz="1218987" rtl="0" eaLnBrk="1" latinLnBrk="0" hangingPunct="1">
+              <a:defRPr sz="2400" kern="1200">
+                <a:solidFill>
+                  <a:schemeClr val="tx1"/>
+                </a:solidFill>
+                <a:latin typeface="+mn-lt"/>
+                <a:ea typeface="+mn-ea"/>
+                <a:cs typeface="+mn-cs"/>
+              </a:defRPr>
+            </a:lvl3pPr>
+            <a:lvl4pPr marL="1828480" algn="l" defTabSz="1218987" rtl="0" eaLnBrk="1" latinLnBrk="0" hangingPunct="1">
+              <a:defRPr sz="2400" kern="1200">
+                <a:solidFill>
+                  <a:schemeClr val="tx1"/>
+                </a:solidFill>
+                <a:latin typeface="+mn-lt"/>
+                <a:ea typeface="+mn-ea"/>
+                <a:cs typeface="+mn-cs"/>
+              </a:defRPr>
+            </a:lvl4pPr>
+            <a:lvl5pPr marL="2437973" algn="l" defTabSz="1218987" rtl="0" eaLnBrk="1" latinLnBrk="0" hangingPunct="1">
+              <a:defRPr sz="2400" kern="1200">
+                <a:solidFill>
+                  <a:schemeClr val="tx1"/>
+                </a:solidFill>
+                <a:latin typeface="+mn-lt"/>
+                <a:ea typeface="+mn-ea"/>
+                <a:cs typeface="+mn-cs"/>
+              </a:defRPr>
+            </a:lvl5pPr>
+            <a:lvl6pPr marL="3047467" algn="l" defTabSz="1218987" rtl="0" eaLnBrk="1" latinLnBrk="0" hangingPunct="1">
+              <a:defRPr sz="2400" kern="1200">
+                <a:solidFill>
+                  <a:schemeClr val="tx1"/>
+                </a:solidFill>
+                <a:latin typeface="+mn-lt"/>
+                <a:ea typeface="+mn-ea"/>
+                <a:cs typeface="+mn-cs"/>
+              </a:defRPr>
+            </a:lvl6pPr>
+            <a:lvl7pPr marL="3656960" algn="l" defTabSz="1218987" rtl="0" eaLnBrk="1" latinLnBrk="0" hangingPunct="1">
+              <a:defRPr sz="2400" kern="1200">
+                <a:solidFill>
+                  <a:schemeClr val="tx1"/>
+                </a:solidFill>
+                <a:latin typeface="+mn-lt"/>
+                <a:ea typeface="+mn-ea"/>
+                <a:cs typeface="+mn-cs"/>
+              </a:defRPr>
+            </a:lvl7pPr>
+            <a:lvl8pPr marL="4266453" algn="l" defTabSz="1218987" rtl="0" eaLnBrk="1" latinLnBrk="0" hangingPunct="1">
+              <a:defRPr sz="2400" kern="1200">
+                <a:solidFill>
+                  <a:schemeClr val="tx1"/>
+                </a:solidFill>
+                <a:latin typeface="+mn-lt"/>
+                <a:ea typeface="+mn-ea"/>
+                <a:cs typeface="+mn-cs"/>
+              </a:defRPr>
+            </a:lvl8pPr>
+            <a:lvl9pPr marL="4875947" algn="l" defTabSz="1218987" rtl="0" eaLnBrk="1" latinLnBrk="0" hangingPunct="1">
+              <a:defRPr sz="2400" kern="1200">
+                <a:solidFill>
+                  <a:schemeClr val="tx1"/>
+                </a:solidFill>
+                <a:latin typeface="+mn-lt"/>
+                <a:ea typeface="+mn-ea"/>
+                <a:cs typeface="+mn-cs"/>
+              </a:defRPr>
+            </a:lvl9pPr>
+          </a:lstStyle>
+          <a:p>
+            <a:r>
+              <a:rPr lang="en-US" sz="1800" b="1" dirty="0">
+                <a:hlinkClick r:id="rId8"/>
+              </a:rPr>
+              <a:t>https://github.com/BG-IT-Edu/School-Programming/tree/main/Courses/Applied-Programmer/Programming-Basics</a:t>
+            </a:r>
+            <a:endParaRPr lang="bg-BG" sz="1800" b="1" dirty="0"/>
+          </a:p>
+        </p:txBody>
+      </p:sp>
     </p:spTree>
     <p:extLst>
       <p:ext uri="{BB962C8B-B14F-4D97-AF65-F5344CB8AC3E}">
@@ -4994,6 +5126,88 @@
   <p:clrMapOvr>
     <a:masterClrMapping/>
   </p:clrMapOvr>
+  <p:timing>
+    <p:tnLst>
+      <p:par>
+        <p:cTn id="1" dur="indefinite" restart="never" nodeType="tmRoot">
+          <p:childTnLst>
+            <p:seq concurrent="1" nextAc="seek">
+              <p:cTn id="2" dur="indefinite" nodeType="mainSeq">
+                <p:childTnLst>
+                  <p:par>
+                    <p:cTn id="3" fill="hold">
+                      <p:stCondLst>
+                        <p:cond delay="indefinite"/>
+                      </p:stCondLst>
+                      <p:childTnLst>
+                        <p:par>
+                          <p:cTn id="4" fill="hold">
+                            <p:stCondLst>
+                              <p:cond delay="0"/>
+                            </p:stCondLst>
+                            <p:childTnLst>
+                              <p:par>
+                                <p:cTn id="5" presetID="1" presetClass="entr" presetSubtype="0" fill="hold" grpId="0" nodeType="clickEffect">
+                                  <p:stCondLst>
+                                    <p:cond delay="0"/>
+                                  </p:stCondLst>
+                                  <p:childTnLst>
+                                    <p:set>
+                                      <p:cBhvr>
+                                        <p:cTn id="6" dur="1" fill="hold">
+                                          <p:stCondLst>
+                                            <p:cond delay="0"/>
+                                          </p:stCondLst>
+                                        </p:cTn>
+                                        <p:tgtEl>
+                                          <p:spTgt spid="6">
+                                            <p:txEl>
+                                              <p:pRg st="0" end="0"/>
+                                            </p:txEl>
+                                          </p:spTgt>
+                                        </p:tgtEl>
+                                        <p:attrNameLst>
+                                          <p:attrName>style.visibility</p:attrName>
+                                        </p:attrNameLst>
+                                      </p:cBhvr>
+                                      <p:to>
+                                        <p:strVal val="visible"/>
+                                      </p:to>
+                                    </p:set>
+                                  </p:childTnLst>
+                                </p:cTn>
+                              </p:par>
+                            </p:childTnLst>
+                          </p:cTn>
+                        </p:par>
+                      </p:childTnLst>
+                    </p:cTn>
+                  </p:par>
+                </p:childTnLst>
+              </p:cTn>
+              <p:prevCondLst>
+                <p:cond evt="onPrev" delay="0">
+                  <p:tgtEl>
+                    <p:sldTgt/>
+                  </p:tgtEl>
+                </p:cond>
+              </p:prevCondLst>
+              <p:nextCondLst>
+                <p:cond evt="onNext" delay="0">
+                  <p:tgtEl>
+                    <p:sldTgt/>
+                  </p:tgtEl>
+                </p:cond>
+              </p:nextCondLst>
+            </p:seq>
+          </p:childTnLst>
+        </p:cTn>
+      </p:par>
+    </p:tnLst>
+    <p:bldLst>
+      <p:bldP spid="6" grpId="0" build="p"/>
+    </p:bldLst>
+  </p:timing>
 </p:sld>
 </file>
 
@@ -5526,6 +5740,404 @@
   <p:clrMapOvr>
     <a:masterClrMapping/>
   </p:clrMapOvr>
+  <p:timing>
+    <p:tnLst>
+      <p:par>
+        <p:cTn id="1" dur="indefinite" restart="never" nodeType="tmRoot">
+          <p:childTnLst>
+            <p:seq concurrent="1" nextAc="seek">
+              <p:cTn id="2" dur="indefinite" nodeType="mainSeq">
+                <p:childTnLst>
+                  <p:par>
+                    <p:cTn id="3" fill="hold">
+                      <p:stCondLst>
+                        <p:cond delay="indefinite"/>
+                      </p:stCondLst>
+                      <p:childTnLst>
+                        <p:par>
+                          <p:cTn id="4" fill="hold">
+                            <p:stCondLst>
+                              <p:cond delay="0"/>
+                            </p:stCondLst>
+                            <p:childTnLst>
+                              <p:par>
+                                <p:cTn id="5" presetID="1" presetClass="entr" presetSubtype="0" fill="hold" grpId="0" nodeType="clickEffect">
+                                  <p:stCondLst>
+                                    <p:cond delay="0"/>
+                                  </p:stCondLst>
+                                  <p:childTnLst>
+                                    <p:set>
+                                      <p:cBhvr>
+                                        <p:cTn id="6" dur="1" fill="hold">
+                                          <p:stCondLst>
+                                            <p:cond delay="0"/>
+                                          </p:stCondLst>
+                                        </p:cTn>
+                                        <p:tgtEl>
+                                          <p:spTgt spid="5"/>
+                                        </p:tgtEl>
+                                        <p:attrNameLst>
+                                          <p:attrName>style.visibility</p:attrName>
+                                        </p:attrNameLst>
+                                      </p:cBhvr>
+                                      <p:to>
+                                        <p:strVal val="visible"/>
+                                      </p:to>
+                                    </p:set>
+                                  </p:childTnLst>
+                                </p:cTn>
+                              </p:par>
+                              <p:par>
+                                <p:cTn id="7" presetID="1" presetClass="entr" presetSubtype="0" fill="hold" nodeType="withEffect">
+                                  <p:stCondLst>
+                                    <p:cond delay="0"/>
+                                  </p:stCondLst>
+                                  <p:childTnLst>
+                                    <p:set>
+                                      <p:cBhvr>
+                                        <p:cTn id="8" dur="1" fill="hold">
+                                          <p:stCondLst>
+                                            <p:cond delay="0"/>
+                                          </p:stCondLst>
+                                        </p:cTn>
+                                        <p:tgtEl>
+                                          <p:spTgt spid="5">
+                                            <p:txEl>
+                                              <p:pRg st="0" end="0"/>
+                                            </p:txEl>
+                                          </p:spTgt>
+                                        </p:tgtEl>
+                                        <p:attrNameLst>
+                                          <p:attrName>style.visibility</p:attrName>
+                                        </p:attrNameLst>
+                                      </p:cBhvr>
+                                      <p:to>
+                                        <p:strVal val="visible"/>
+                                      </p:to>
+                                    </p:set>
+                                  </p:childTnLst>
+                                </p:cTn>
+                              </p:par>
+                            </p:childTnLst>
+                          </p:cTn>
+                        </p:par>
+                      </p:childTnLst>
+                    </p:cTn>
+                  </p:par>
+                  <p:par>
+                    <p:cTn id="9" fill="hold">
+                      <p:stCondLst>
+                        <p:cond delay="indefinite"/>
+                      </p:stCondLst>
+                      <p:childTnLst>
+                        <p:par>
+                          <p:cTn id="10" fill="hold">
+                            <p:stCondLst>
+                              <p:cond delay="0"/>
+                            </p:stCondLst>
+                            <p:childTnLst>
+                              <p:par>
+                                <p:cTn id="11" presetID="1" presetClass="entr" presetSubtype="0" fill="hold" nodeType="clickEffect">
+                                  <p:stCondLst>
+                                    <p:cond delay="0"/>
+                                  </p:stCondLst>
+                                  <p:childTnLst>
+                                    <p:set>
+                                      <p:cBhvr>
+                                        <p:cTn id="12" dur="1" fill="hold">
+                                          <p:stCondLst>
+                                            <p:cond delay="0"/>
+                                          </p:stCondLst>
+                                        </p:cTn>
+                                        <p:tgtEl>
+                                          <p:spTgt spid="5">
+                                            <p:txEl>
+                                              <p:pRg st="1" end="1"/>
+                                            </p:txEl>
+                                          </p:spTgt>
+                                        </p:tgtEl>
+                                        <p:attrNameLst>
+                                          <p:attrName>style.visibility</p:attrName>
+                                        </p:attrNameLst>
+                                      </p:cBhvr>
+                                      <p:to>
+                                        <p:strVal val="visible"/>
+                                      </p:to>
+                                    </p:set>
+                                  </p:childTnLst>
+                                </p:cTn>
+                              </p:par>
+                              <p:par>
+                                <p:cTn id="13" presetID="1" presetClass="entr" presetSubtype="0" fill="hold" nodeType="withEffect">
+                                  <p:stCondLst>
+                                    <p:cond delay="0"/>
+                                  </p:stCondLst>
+                                  <p:childTnLst>
+                                    <p:set>
+                                      <p:cBhvr>
+                                        <p:cTn id="14" dur="1" fill="hold">
+                                          <p:stCondLst>
+                                            <p:cond delay="0"/>
+                                          </p:stCondLst>
+                                        </p:cTn>
+                                        <p:tgtEl>
+                                          <p:spTgt spid="5">
+                                            <p:txEl>
+                                              <p:pRg st="2" end="2"/>
+                                            </p:txEl>
+                                          </p:spTgt>
+                                        </p:tgtEl>
+                                        <p:attrNameLst>
+                                          <p:attrName>style.visibility</p:attrName>
+                                        </p:attrNameLst>
+                                      </p:cBhvr>
+                                      <p:to>
+                                        <p:strVal val="visible"/>
+                                      </p:to>
+                                    </p:set>
+                                  </p:childTnLst>
+                                </p:cTn>
+                              </p:par>
+                              <p:par>
+                                <p:cTn id="15" presetID="1" presetClass="entr" presetSubtype="0" fill="hold" nodeType="withEffect">
+                                  <p:stCondLst>
+                                    <p:cond delay="0"/>
+                                  </p:stCondLst>
+                                  <p:childTnLst>
+                                    <p:set>
+                                      <p:cBhvr>
+                                        <p:cTn id="16" dur="1" fill="hold">
+                                          <p:stCondLst>
+                                            <p:cond delay="0"/>
+                                          </p:stCondLst>
+                                        </p:cTn>
+                                        <p:tgtEl>
+                                          <p:spTgt spid="5">
+                                            <p:txEl>
+                                              <p:pRg st="5" end="5"/>
+                                            </p:txEl>
+                                          </p:spTgt>
+                                        </p:tgtEl>
+                                        <p:attrNameLst>
+                                          <p:attrName>style.visibility</p:attrName>
+                                        </p:attrNameLst>
+                                      </p:cBhvr>
+                                      <p:to>
+                                        <p:strVal val="visible"/>
+                                      </p:to>
+                                    </p:set>
+                                  </p:childTnLst>
+                                </p:cTn>
+                              </p:par>
+                            </p:childTnLst>
+                          </p:cTn>
+                        </p:par>
+                      </p:childTnLst>
+                    </p:cTn>
+                  </p:par>
+                  <p:par>
+                    <p:cTn id="17" fill="hold">
+                      <p:stCondLst>
+                        <p:cond delay="indefinite"/>
+                      </p:stCondLst>
+                      <p:childTnLst>
+                        <p:par>
+                          <p:cTn id="18" fill="hold">
+                            <p:stCondLst>
+                              <p:cond delay="0"/>
+                            </p:stCondLst>
+                            <p:childTnLst>
+                              <p:par>
+                                <p:cTn id="19" presetID="1" presetClass="entr" presetSubtype="0" fill="hold" nodeType="clickEffect">
+                                  <p:stCondLst>
+                                    <p:cond delay="0"/>
+                                  </p:stCondLst>
+                                  <p:childTnLst>
+                                    <p:set>
+                                      <p:cBhvr>
+                                        <p:cTn id="20" dur="1" fill="hold">
+                                          <p:stCondLst>
+                                            <p:cond delay="0"/>
+                                          </p:stCondLst>
+                                        </p:cTn>
+                                        <p:tgtEl>
+                                          <p:spTgt spid="5">
+                                            <p:txEl>
+                                              <p:pRg st="3" end="3"/>
+                                            </p:txEl>
+                                          </p:spTgt>
+                                        </p:tgtEl>
+                                        <p:attrNameLst>
+                                          <p:attrName>style.visibility</p:attrName>
+                                        </p:attrNameLst>
+                                      </p:cBhvr>
+                                      <p:to>
+                                        <p:strVal val="visible"/>
+                                      </p:to>
+                                    </p:set>
+                                  </p:childTnLst>
+                                </p:cTn>
+                              </p:par>
+                            </p:childTnLst>
+                          </p:cTn>
+                        </p:par>
+                      </p:childTnLst>
+                    </p:cTn>
+                  </p:par>
+                  <p:par>
+                    <p:cTn id="21" fill="hold">
+                      <p:stCondLst>
+                        <p:cond delay="indefinite"/>
+                      </p:stCondLst>
+                      <p:childTnLst>
+                        <p:par>
+                          <p:cTn id="22" fill="hold">
+                            <p:stCondLst>
+                              <p:cond delay="0"/>
+                            </p:stCondLst>
+                            <p:childTnLst>
+                              <p:par>
+                                <p:cTn id="23" presetID="1" presetClass="entr" presetSubtype="0" fill="hold" nodeType="clickEffect">
+                                  <p:stCondLst>
+                                    <p:cond delay="0"/>
+                                  </p:stCondLst>
+                                  <p:childTnLst>
+                                    <p:set>
+                                      <p:cBhvr>
+                                        <p:cTn id="24" dur="1" fill="hold">
+                                          <p:stCondLst>
+                                            <p:cond delay="0"/>
+                                          </p:stCondLst>
+                                        </p:cTn>
+                                        <p:tgtEl>
+                                          <p:spTgt spid="5">
+                                            <p:txEl>
+                                              <p:pRg st="4" end="4"/>
+                                            </p:txEl>
+                                          </p:spTgt>
+                                        </p:tgtEl>
+                                        <p:attrNameLst>
+                                          <p:attrName>style.visibility</p:attrName>
+                                        </p:attrNameLst>
+                                      </p:cBhvr>
+                                      <p:to>
+                                        <p:strVal val="visible"/>
+                                      </p:to>
+                                    </p:set>
+                                  </p:childTnLst>
+                                </p:cTn>
+                              </p:par>
+                            </p:childTnLst>
+                          </p:cTn>
+                        </p:par>
+                      </p:childTnLst>
+                    </p:cTn>
+                  </p:par>
+                  <p:par>
+                    <p:cTn id="25" fill="hold">
+                      <p:stCondLst>
+                        <p:cond delay="indefinite"/>
+                      </p:stCondLst>
+                      <p:childTnLst>
+                        <p:par>
+                          <p:cTn id="26" fill="hold">
+                            <p:stCondLst>
+                              <p:cond delay="0"/>
+                            </p:stCondLst>
+                            <p:childTnLst>
+                              <p:par>
+                                <p:cTn id="27" presetID="1" presetClass="entr" presetSubtype="0" fill="hold" nodeType="clickEffect">
+                                  <p:stCondLst>
+                                    <p:cond delay="0"/>
+                                  </p:stCondLst>
+                                  <p:childTnLst>
+                                    <p:set>
+                                      <p:cBhvr>
+                                        <p:cTn id="28" dur="1" fill="hold">
+                                          <p:stCondLst>
+                                            <p:cond delay="0"/>
+                                          </p:stCondLst>
+                                        </p:cTn>
+                                        <p:tgtEl>
+                                          <p:spTgt spid="5">
+                                            <p:txEl>
+                                              <p:pRg st="7" end="7"/>
+                                            </p:txEl>
+                                          </p:spTgt>
+                                        </p:tgtEl>
+                                        <p:attrNameLst>
+                                          <p:attrName>style.visibility</p:attrName>
+                                        </p:attrNameLst>
+                                      </p:cBhvr>
+                                      <p:to>
+                                        <p:strVal val="visible"/>
+                                      </p:to>
+                                    </p:set>
+                                  </p:childTnLst>
+                                </p:cTn>
+                              </p:par>
+                              <p:par>
+                                <p:cTn id="29" presetID="1" presetClass="entr" presetSubtype="0" fill="hold" nodeType="withEffect">
+                                  <p:stCondLst>
+                                    <p:cond delay="0"/>
+                                  </p:stCondLst>
+                                  <p:childTnLst>
+                                    <p:set>
+                                      <p:cBhvr>
+                                        <p:cTn id="30" dur="1" fill="hold">
+                                          <p:stCondLst>
+                                            <p:cond delay="0"/>
+                                          </p:stCondLst>
+                                        </p:cTn>
+                                        <p:tgtEl>
+                                          <p:spTgt spid="5">
+                                            <p:txEl>
+                                              <p:pRg st="8" end="8"/>
+                                            </p:txEl>
+                                          </p:spTgt>
+                                        </p:tgtEl>
+                                        <p:attrNameLst>
+                                          <p:attrName>style.visibility</p:attrName>
+                                        </p:attrNameLst>
+                                      </p:cBhvr>
+                                      <p:to>
+                                        <p:strVal val="visible"/>
+                                      </p:to>
+                                    </p:set>
+                                  </p:childTnLst>
+                                </p:cTn>
+                              </p:par>
+                            </p:childTnLst>
+                          </p:cTn>
+                        </p:par>
+                      </p:childTnLst>
+                    </p:cTn>
+                  </p:par>
+                </p:childTnLst>
+              </p:cTn>
+              <p:prevCondLst>
+                <p:cond evt="onPrev" delay="0">
+                  <p:tgtEl>
+                    <p:sldTgt/>
+                  </p:tgtEl>
+                </p:cond>
+              </p:prevCondLst>
+              <p:nextCondLst>
+                <p:cond evt="onNext" delay="0">
+                  <p:tgtEl>
+                    <p:sldTgt/>
+                  </p:tgtEl>
+                </p:cond>
+              </p:nextCondLst>
+            </p:seq>
+          </p:childTnLst>
+        </p:cTn>
+      </p:par>
+    </p:tnLst>
+    <p:bldLst>
+      <p:bldP spid="5" grpId="0" animBg="1"/>
+    </p:bldLst>
+  </p:timing>
 </p:sld>
 </file>
 
@@ -6028,7 +6640,7 @@
         </p:nvSpPr>
         <p:spPr bwMode="auto">
           <a:xfrm>
-            <a:off x="455612" y="1864107"/>
+            <a:off x="498407" y="1752396"/>
             <a:ext cx="8047541" cy="1040285"/>
           </a:xfrm>
           <a:prstGeom prst="rect">
@@ -6813,6 +7425,355 @@
   <p:clrMapOvr>
     <a:masterClrMapping/>
   </p:clrMapOvr>
+  <p:timing>
+    <p:tnLst>
+      <p:par>
+        <p:cTn id="1" dur="indefinite" restart="never" nodeType="tmRoot">
+          <p:childTnLst>
+            <p:seq concurrent="1" nextAc="seek">
+              <p:cTn id="2" dur="indefinite" nodeType="mainSeq">
+                <p:childTnLst>
+                  <p:par>
+                    <p:cTn id="3" fill="hold">
+                      <p:stCondLst>
+                        <p:cond delay="indefinite"/>
+                      </p:stCondLst>
+                      <p:childTnLst>
+                        <p:par>
+                          <p:cTn id="4" fill="hold">
+                            <p:stCondLst>
+                              <p:cond delay="0"/>
+                            </p:stCondLst>
+                            <p:childTnLst>
+                              <p:par>
+                                <p:cTn id="5" presetID="1" presetClass="entr" presetSubtype="0" fill="hold" nodeType="clickEffect">
+                                  <p:stCondLst>
+                                    <p:cond delay="0"/>
+                                  </p:stCondLst>
+                                  <p:childTnLst>
+                                    <p:set>
+                                      <p:cBhvr>
+                                        <p:cTn id="6" dur="1" fill="hold">
+                                          <p:stCondLst>
+                                            <p:cond delay="0"/>
+                                          </p:stCondLst>
+                                        </p:cTn>
+                                        <p:tgtEl>
+                                          <p:spTgt spid="5">
+                                            <p:txEl>
+                                              <p:pRg st="3" end="3"/>
+                                            </p:txEl>
+                                          </p:spTgt>
+                                        </p:tgtEl>
+                                        <p:attrNameLst>
+                                          <p:attrName>style.visibility</p:attrName>
+                                        </p:attrNameLst>
+                                      </p:cBhvr>
+                                      <p:to>
+                                        <p:strVal val="visible"/>
+                                      </p:to>
+                                    </p:set>
+                                  </p:childTnLst>
+                                </p:cTn>
+                              </p:par>
+                            </p:childTnLst>
+                          </p:cTn>
+                        </p:par>
+                      </p:childTnLst>
+                    </p:cTn>
+                  </p:par>
+                  <p:par>
+                    <p:cTn id="7" fill="hold">
+                      <p:stCondLst>
+                        <p:cond delay="indefinite"/>
+                      </p:stCondLst>
+                      <p:childTnLst>
+                        <p:par>
+                          <p:cTn id="8" fill="hold">
+                            <p:stCondLst>
+                              <p:cond delay="0"/>
+                            </p:stCondLst>
+                            <p:childTnLst>
+                              <p:par>
+                                <p:cTn id="9" presetID="1" presetClass="entr" presetSubtype="0" fill="hold" nodeType="clickEffect">
+                                  <p:stCondLst>
+                                    <p:cond delay="0"/>
+                                  </p:stCondLst>
+                                  <p:childTnLst>
+                                    <p:set>
+                                      <p:cBhvr>
+                                        <p:cTn id="10" dur="1" fill="hold">
+                                          <p:stCondLst>
+                                            <p:cond delay="0"/>
+                                          </p:stCondLst>
+                                        </p:cTn>
+                                        <p:tgtEl>
+                                          <p:spTgt spid="5">
+                                            <p:txEl>
+                                              <p:pRg st="4" end="4"/>
+                                            </p:txEl>
+                                          </p:spTgt>
+                                        </p:tgtEl>
+                                        <p:attrNameLst>
+                                          <p:attrName>style.visibility</p:attrName>
+                                        </p:attrNameLst>
+                                      </p:cBhvr>
+                                      <p:to>
+                                        <p:strVal val="visible"/>
+                                      </p:to>
+                                    </p:set>
+                                  </p:childTnLst>
+                                </p:cTn>
+                              </p:par>
+                              <p:par>
+                                <p:cTn id="11" presetID="1" presetClass="entr" presetSubtype="0" fill="hold" grpId="0" nodeType="withEffect">
+                                  <p:stCondLst>
+                                    <p:cond delay="0"/>
+                                  </p:stCondLst>
+                                  <p:childTnLst>
+                                    <p:set>
+                                      <p:cBhvr>
+                                        <p:cTn id="12" dur="1" fill="hold">
+                                          <p:stCondLst>
+                                            <p:cond delay="0"/>
+                                          </p:stCondLst>
+                                        </p:cTn>
+                                        <p:tgtEl>
+                                          <p:spTgt spid="8"/>
+                                        </p:tgtEl>
+                                        <p:attrNameLst>
+                                          <p:attrName>style.visibility</p:attrName>
+                                        </p:attrNameLst>
+                                      </p:cBhvr>
+                                      <p:to>
+                                        <p:strVal val="visible"/>
+                                      </p:to>
+                                    </p:set>
+                                  </p:childTnLst>
+                                </p:cTn>
+                              </p:par>
+                              <p:par>
+                                <p:cTn id="13" presetID="1" presetClass="entr" presetSubtype="0" fill="hold" nodeType="withEffect">
+                                  <p:stCondLst>
+                                    <p:cond delay="0"/>
+                                  </p:stCondLst>
+                                  <p:childTnLst>
+                                    <p:set>
+                                      <p:cBhvr>
+                                        <p:cTn id="14" dur="1" fill="hold">
+                                          <p:stCondLst>
+                                            <p:cond delay="0"/>
+                                          </p:stCondLst>
+                                        </p:cTn>
+                                        <p:tgtEl>
+                                          <p:spTgt spid="8">
+                                            <p:txEl>
+                                              <p:pRg st="0" end="0"/>
+                                            </p:txEl>
+                                          </p:spTgt>
+                                        </p:tgtEl>
+                                        <p:attrNameLst>
+                                          <p:attrName>style.visibility</p:attrName>
+                                        </p:attrNameLst>
+                                      </p:cBhvr>
+                                      <p:to>
+                                        <p:strVal val="visible"/>
+                                      </p:to>
+                                    </p:set>
+                                  </p:childTnLst>
+                                </p:cTn>
+                              </p:par>
+                            </p:childTnLst>
+                          </p:cTn>
+                        </p:par>
+                      </p:childTnLst>
+                    </p:cTn>
+                  </p:par>
+                  <p:par>
+                    <p:cTn id="15" fill="hold">
+                      <p:stCondLst>
+                        <p:cond delay="indefinite"/>
+                      </p:stCondLst>
+                      <p:childTnLst>
+                        <p:par>
+                          <p:cTn id="16" fill="hold">
+                            <p:stCondLst>
+                              <p:cond delay="0"/>
+                            </p:stCondLst>
+                            <p:childTnLst>
+                              <p:par>
+                                <p:cTn id="17" presetID="1" presetClass="entr" presetSubtype="0" fill="hold" nodeType="clickEffect">
+                                  <p:stCondLst>
+                                    <p:cond delay="0"/>
+                                  </p:stCondLst>
+                                  <p:childTnLst>
+                                    <p:set>
+                                      <p:cBhvr>
+                                        <p:cTn id="18" dur="1" fill="hold">
+                                          <p:stCondLst>
+                                            <p:cond delay="0"/>
+                                          </p:stCondLst>
+                                        </p:cTn>
+                                        <p:tgtEl>
+                                          <p:spTgt spid="8">
+                                            <p:txEl>
+                                              <p:pRg st="1" end="1"/>
+                                            </p:txEl>
+                                          </p:spTgt>
+                                        </p:tgtEl>
+                                        <p:attrNameLst>
+                                          <p:attrName>style.visibility</p:attrName>
+                                        </p:attrNameLst>
+                                      </p:cBhvr>
+                                      <p:to>
+                                        <p:strVal val="visible"/>
+                                      </p:to>
+                                    </p:set>
+                                  </p:childTnLst>
+                                </p:cTn>
+                              </p:par>
+                              <p:par>
+                                <p:cTn id="19" presetID="1" presetClass="entr" presetSubtype="0" fill="hold" nodeType="withEffect">
+                                  <p:stCondLst>
+                                    <p:cond delay="0"/>
+                                  </p:stCondLst>
+                                  <p:childTnLst>
+                                    <p:set>
+                                      <p:cBhvr>
+                                        <p:cTn id="20" dur="1" fill="hold">
+                                          <p:stCondLst>
+                                            <p:cond delay="0"/>
+                                          </p:stCondLst>
+                                        </p:cTn>
+                                        <p:tgtEl>
+                                          <p:spTgt spid="8">
+                                            <p:txEl>
+                                              <p:pRg st="2" end="2"/>
+                                            </p:txEl>
+                                          </p:spTgt>
+                                        </p:tgtEl>
+                                        <p:attrNameLst>
+                                          <p:attrName>style.visibility</p:attrName>
+                                        </p:attrNameLst>
+                                      </p:cBhvr>
+                                      <p:to>
+                                        <p:strVal val="visible"/>
+                                      </p:to>
+                                    </p:set>
+                                  </p:childTnLst>
+                                </p:cTn>
+                              </p:par>
+                            </p:childTnLst>
+                          </p:cTn>
+                        </p:par>
+                      </p:childTnLst>
+                    </p:cTn>
+                  </p:par>
+                  <p:par>
+                    <p:cTn id="21" fill="hold">
+                      <p:stCondLst>
+                        <p:cond delay="indefinite"/>
+                      </p:stCondLst>
+                      <p:childTnLst>
+                        <p:par>
+                          <p:cTn id="22" fill="hold">
+                            <p:stCondLst>
+                              <p:cond delay="0"/>
+                            </p:stCondLst>
+                            <p:childTnLst>
+                              <p:par>
+                                <p:cTn id="23" presetID="1" presetClass="entr" presetSubtype="0" fill="hold" nodeType="clickEffect">
+                                  <p:stCondLst>
+                                    <p:cond delay="0"/>
+                                  </p:stCondLst>
+                                  <p:childTnLst>
+                                    <p:set>
+                                      <p:cBhvr>
+                                        <p:cTn id="24" dur="1" fill="hold">
+                                          <p:stCondLst>
+                                            <p:cond delay="0"/>
+                                          </p:stCondLst>
+                                        </p:cTn>
+                                        <p:tgtEl>
+                                          <p:spTgt spid="8">
+                                            <p:txEl>
+                                              <p:pRg st="3" end="3"/>
+                                            </p:txEl>
+                                          </p:spTgt>
+                                        </p:tgtEl>
+                                        <p:attrNameLst>
+                                          <p:attrName>style.visibility</p:attrName>
+                                        </p:attrNameLst>
+                                      </p:cBhvr>
+                                      <p:to>
+                                        <p:strVal val="visible"/>
+                                      </p:to>
+                                    </p:set>
+                                  </p:childTnLst>
+                                </p:cTn>
+                              </p:par>
+                              <p:par>
+                                <p:cTn id="25" presetID="1" presetClass="entr" presetSubtype="0" fill="hold" nodeType="withEffect">
+                                  <p:stCondLst>
+                                    <p:cond delay="0"/>
+                                  </p:stCondLst>
+                                  <p:childTnLst>
+                                    <p:set>
+                                      <p:cBhvr>
+                                        <p:cTn id="26" dur="1" fill="hold">
+                                          <p:stCondLst>
+                                            <p:cond delay="0"/>
+                                          </p:stCondLst>
+                                        </p:cTn>
+                                        <p:tgtEl>
+                                          <p:spTgt spid="8">
+                                            <p:txEl>
+                                              <p:pRg st="4" end="4"/>
+                                            </p:txEl>
+                                          </p:spTgt>
+                                        </p:tgtEl>
+                                        <p:attrNameLst>
+                                          <p:attrName>style.visibility</p:attrName>
+                                        </p:attrNameLst>
+                                      </p:cBhvr>
+                                      <p:to>
+                                        <p:strVal val="visible"/>
+                                      </p:to>
+                                    </p:set>
+                                  </p:childTnLst>
+                                </p:cTn>
+                              </p:par>
+                            </p:childTnLst>
+                          </p:cTn>
+                        </p:par>
+                      </p:childTnLst>
+                    </p:cTn>
+                  </p:par>
+                </p:childTnLst>
+              </p:cTn>
+              <p:prevCondLst>
+                <p:cond evt="onPrev" delay="0">
+                  <p:tgtEl>
+                    <p:sldTgt/>
+                  </p:tgtEl>
+                </p:cond>
+              </p:prevCondLst>
+              <p:nextCondLst>
+                <p:cond evt="onNext" delay="0">
+                  <p:tgtEl>
+                    <p:sldTgt/>
+                  </p:tgtEl>
+                </p:cond>
+              </p:nextCondLst>
+            </p:seq>
+          </p:childTnLst>
+        </p:cTn>
+      </p:par>
+    </p:tnLst>
+    <p:bldLst>
+      <p:bldP spid="8" grpId="0" animBg="1"/>
+    </p:bldLst>
+  </p:timing>
 </p:sld>
 </file>
 
@@ -6858,31 +7819,133 @@
       </p:sp>
       <p:sp>
         <p:nvSpPr>
-          <p:cNvPr id="2" name="Text Placeholder 1"/>
-          <p:cNvSpPr>
-            <a:spLocks noGrp="1"/>
-          </p:cNvSpPr>
-          <p:nvPr>
-            <p:ph type="body" sz="quarter" idx="10"/>
-          </p:nvPr>
+          <p:cNvPr id="6" name="Текстово поле 1">
+            <a:extLst>
+              <a:ext uri="{FF2B5EF4-FFF2-40B4-BE49-F238E27FC236}">
+                <a16:creationId xmlns:a16="http://schemas.microsoft.com/office/drawing/2014/main" id="{B398007E-9BC4-479A-87BF-1B270134F51F}"/>
+              </a:ext>
+            </a:extLst>
+          </p:cNvPr>
+          <p:cNvSpPr txBox="1"/>
+          <p:nvPr/>
         </p:nvSpPr>
         <p:spPr>
           <a:xfrm>
-            <a:off x="1529384" y="6400802"/>
-            <a:ext cx="10482604" cy="351754"/>
+            <a:off x="972796" y="6448327"/>
+            <a:ext cx="11216029" cy="369332"/>
           </a:xfrm>
+          <a:prstGeom prst="rect">
+            <a:avLst/>
+          </a:prstGeom>
+          <a:noFill/>
         </p:spPr>
         <p:txBody>
-          <a:bodyPr/>
-          <a:lstStyle/>
-          <a:p>
-            <a:r>
-              <a:rPr lang="en-US">
+          <a:bodyPr wrap="square" rtlCol="0">
+            <a:spAutoFit/>
+          </a:bodyPr>
+          <a:lstStyle>
+            <a:defPPr>
+              <a:defRPr lang="en-US"/>
+            </a:defPPr>
+            <a:lvl1pPr marL="0" algn="l" defTabSz="1218987" rtl="0" eaLnBrk="1" latinLnBrk="0" hangingPunct="1">
+              <a:defRPr sz="2400" kern="1200">
+                <a:solidFill>
+                  <a:schemeClr val="tx1"/>
+                </a:solidFill>
+                <a:latin typeface="+mn-lt"/>
+                <a:ea typeface="+mn-ea"/>
+                <a:cs typeface="+mn-cs"/>
+              </a:defRPr>
+            </a:lvl1pPr>
+            <a:lvl2pPr marL="609493" algn="l" defTabSz="1218987" rtl="0" eaLnBrk="1" latinLnBrk="0" hangingPunct="1">
+              <a:defRPr sz="2400" kern="1200">
+                <a:solidFill>
+                  <a:schemeClr val="tx1"/>
+                </a:solidFill>
+                <a:latin typeface="+mn-lt"/>
+                <a:ea typeface="+mn-ea"/>
+                <a:cs typeface="+mn-cs"/>
+              </a:defRPr>
+            </a:lvl2pPr>
+            <a:lvl3pPr marL="1218987" algn="l" defTabSz="1218987" rtl="0" eaLnBrk="1" latinLnBrk="0" hangingPunct="1">
+              <a:defRPr sz="2400" kern="1200">
+                <a:solidFill>
+                  <a:schemeClr val="tx1"/>
+                </a:solidFill>
+                <a:latin typeface="+mn-lt"/>
+                <a:ea typeface="+mn-ea"/>
+                <a:cs typeface="+mn-cs"/>
+              </a:defRPr>
+            </a:lvl3pPr>
+            <a:lvl4pPr marL="1828480" algn="l" defTabSz="1218987" rtl="0" eaLnBrk="1" latinLnBrk="0" hangingPunct="1">
+              <a:defRPr sz="2400" kern="1200">
+                <a:solidFill>
+                  <a:schemeClr val="tx1"/>
+                </a:solidFill>
+                <a:latin typeface="+mn-lt"/>
+                <a:ea typeface="+mn-ea"/>
+                <a:cs typeface="+mn-cs"/>
+              </a:defRPr>
+            </a:lvl4pPr>
+            <a:lvl5pPr marL="2437973" algn="l" defTabSz="1218987" rtl="0" eaLnBrk="1" latinLnBrk="0" hangingPunct="1">
+              <a:defRPr sz="2400" kern="1200">
+                <a:solidFill>
+                  <a:schemeClr val="tx1"/>
+                </a:solidFill>
+                <a:latin typeface="+mn-lt"/>
+                <a:ea typeface="+mn-ea"/>
+                <a:cs typeface="+mn-cs"/>
+              </a:defRPr>
+            </a:lvl5pPr>
+            <a:lvl6pPr marL="3047467" algn="l" defTabSz="1218987" rtl="0" eaLnBrk="1" latinLnBrk="0" hangingPunct="1">
+              <a:defRPr sz="2400" kern="1200">
+                <a:solidFill>
+                  <a:schemeClr val="tx1"/>
+                </a:solidFill>
+                <a:latin typeface="+mn-lt"/>
+                <a:ea typeface="+mn-ea"/>
+                <a:cs typeface="+mn-cs"/>
+              </a:defRPr>
+            </a:lvl6pPr>
+            <a:lvl7pPr marL="3656960" algn="l" defTabSz="1218987" rtl="0" eaLnBrk="1" latinLnBrk="0" hangingPunct="1">
+              <a:defRPr sz="2400" kern="1200">
+                <a:solidFill>
+                  <a:schemeClr val="tx1"/>
+                </a:solidFill>
+                <a:latin typeface="+mn-lt"/>
+                <a:ea typeface="+mn-ea"/>
+                <a:cs typeface="+mn-cs"/>
+              </a:defRPr>
+            </a:lvl7pPr>
+            <a:lvl8pPr marL="4266453" algn="l" defTabSz="1218987" rtl="0" eaLnBrk="1" latinLnBrk="0" hangingPunct="1">
+              <a:defRPr sz="2400" kern="1200">
+                <a:solidFill>
+                  <a:schemeClr val="tx1"/>
+                </a:solidFill>
+                <a:latin typeface="+mn-lt"/>
+                <a:ea typeface="+mn-ea"/>
+                <a:cs typeface="+mn-cs"/>
+              </a:defRPr>
+            </a:lvl8pPr>
+            <a:lvl9pPr marL="4875947" algn="l" defTabSz="1218987" rtl="0" eaLnBrk="1" latinLnBrk="0" hangingPunct="1">
+              <a:defRPr sz="2400" kern="1200">
+                <a:solidFill>
+                  <a:schemeClr val="tx1"/>
+                </a:solidFill>
+                <a:latin typeface="+mn-lt"/>
+                <a:ea typeface="+mn-ea"/>
+                <a:cs typeface="+mn-cs"/>
+              </a:defRPr>
+            </a:lvl9pPr>
+          </a:lstStyle>
+          <a:p>
+            <a:r>
+              <a:rPr lang="en-US" sz="1800" b="1" dirty="0">
                 <a:hlinkClick r:id="rId3"/>
               </a:rPr>
-              <a:t>https://it-kariera.mon.bg/e-learning/</a:t>
-            </a:r>
-            <a:endParaRPr lang="en-US"/>
+              <a:t>https://github.com/BG-IT-Edu/School-Programming/tree/main/Courses/Applied-Programmer/Programming-Basics</a:t>
+            </a:r>
+            <a:endParaRPr lang="bg-BG" sz="1800" b="1" dirty="0"/>
           </a:p>
         </p:txBody>
       </p:sp>
@@ -7771,6 +8834,263 @@
   <p:clrMapOvr>
     <a:masterClrMapping/>
   </p:clrMapOvr>
+  <p:timing>
+    <p:tnLst>
+      <p:par>
+        <p:cTn id="1" dur="indefinite" restart="never" nodeType="tmRoot">
+          <p:childTnLst>
+            <p:seq concurrent="1" nextAc="seek">
+              <p:cTn id="2" dur="indefinite" nodeType="mainSeq">
+                <p:childTnLst>
+                  <p:par>
+                    <p:cTn id="3" fill="hold">
+                      <p:stCondLst>
+                        <p:cond delay="indefinite"/>
+                      </p:stCondLst>
+                      <p:childTnLst>
+                        <p:par>
+                          <p:cTn id="4" fill="hold">
+                            <p:stCondLst>
+                              <p:cond delay="0"/>
+                            </p:stCondLst>
+                            <p:childTnLst>
+                              <p:par>
+                                <p:cTn id="5" presetID="1" presetClass="entr" presetSubtype="0" fill="hold" nodeType="clickEffect">
+                                  <p:stCondLst>
+                                    <p:cond delay="0"/>
+                                  </p:stCondLst>
+                                  <p:childTnLst>
+                                    <p:set>
+                                      <p:cBhvr>
+                                        <p:cTn id="6" dur="1" fill="hold">
+                                          <p:stCondLst>
+                                            <p:cond delay="0"/>
+                                          </p:stCondLst>
+                                        </p:cTn>
+                                        <p:tgtEl>
+                                          <p:spTgt spid="444419">
+                                            <p:txEl>
+                                              <p:pRg st="1" end="1"/>
+                                            </p:txEl>
+                                          </p:spTgt>
+                                        </p:tgtEl>
+                                        <p:attrNameLst>
+                                          <p:attrName>style.visibility</p:attrName>
+                                        </p:attrNameLst>
+                                      </p:cBhvr>
+                                      <p:to>
+                                        <p:strVal val="visible"/>
+                                      </p:to>
+                                    </p:set>
+                                  </p:childTnLst>
+                                </p:cTn>
+                              </p:par>
+                            </p:childTnLst>
+                          </p:cTn>
+                        </p:par>
+                      </p:childTnLst>
+                    </p:cTn>
+                  </p:par>
+                  <p:par>
+                    <p:cTn id="7" fill="hold">
+                      <p:stCondLst>
+                        <p:cond delay="indefinite"/>
+                      </p:stCondLst>
+                      <p:childTnLst>
+                        <p:par>
+                          <p:cTn id="8" fill="hold">
+                            <p:stCondLst>
+                              <p:cond delay="0"/>
+                            </p:stCondLst>
+                            <p:childTnLst>
+                              <p:par>
+                                <p:cTn id="9" presetID="1" presetClass="entr" presetSubtype="0" fill="hold" nodeType="clickEffect">
+                                  <p:stCondLst>
+                                    <p:cond delay="0"/>
+                                  </p:stCondLst>
+                                  <p:childTnLst>
+                                    <p:set>
+                                      <p:cBhvr>
+                                        <p:cTn id="10" dur="1" fill="hold">
+                                          <p:stCondLst>
+                                            <p:cond delay="0"/>
+                                          </p:stCondLst>
+                                        </p:cTn>
+                                        <p:tgtEl>
+                                          <p:spTgt spid="444419">
+                                            <p:txEl>
+                                              <p:pRg st="2" end="2"/>
+                                            </p:txEl>
+                                          </p:spTgt>
+                                        </p:tgtEl>
+                                        <p:attrNameLst>
+                                          <p:attrName>style.visibility</p:attrName>
+                                        </p:attrNameLst>
+                                      </p:cBhvr>
+                                      <p:to>
+                                        <p:strVal val="visible"/>
+                                      </p:to>
+                                    </p:set>
+                                  </p:childTnLst>
+                                </p:cTn>
+                              </p:par>
+                            </p:childTnLst>
+                          </p:cTn>
+                        </p:par>
+                      </p:childTnLst>
+                    </p:cTn>
+                  </p:par>
+                  <p:par>
+                    <p:cTn id="11" fill="hold">
+                      <p:stCondLst>
+                        <p:cond delay="indefinite"/>
+                      </p:stCondLst>
+                      <p:childTnLst>
+                        <p:par>
+                          <p:cTn id="12" fill="hold">
+                            <p:stCondLst>
+                              <p:cond delay="0"/>
+                            </p:stCondLst>
+                            <p:childTnLst>
+                              <p:par>
+                                <p:cTn id="13" presetID="1" presetClass="entr" presetSubtype="0" fill="hold" nodeType="clickEffect">
+                                  <p:stCondLst>
+                                    <p:cond delay="0"/>
+                                  </p:stCondLst>
+                                  <p:childTnLst>
+                                    <p:set>
+                                      <p:cBhvr>
+                                        <p:cTn id="14" dur="1" fill="hold">
+                                          <p:stCondLst>
+                                            <p:cond delay="0"/>
+                                          </p:stCondLst>
+                                        </p:cTn>
+                                        <p:tgtEl>
+                                          <p:spTgt spid="444419">
+                                            <p:txEl>
+                                              <p:pRg st="3" end="3"/>
+                                            </p:txEl>
+                                          </p:spTgt>
+                                        </p:tgtEl>
+                                        <p:attrNameLst>
+                                          <p:attrName>style.visibility</p:attrName>
+                                        </p:attrNameLst>
+                                      </p:cBhvr>
+                                      <p:to>
+                                        <p:strVal val="visible"/>
+                                      </p:to>
+                                    </p:set>
+                                  </p:childTnLst>
+                                </p:cTn>
+                              </p:par>
+                              <p:par>
+                                <p:cTn id="15" presetID="1" presetClass="entr" presetSubtype="0" fill="hold" nodeType="withEffect">
+                                  <p:stCondLst>
+                                    <p:cond delay="0"/>
+                                  </p:stCondLst>
+                                  <p:childTnLst>
+                                    <p:set>
+                                      <p:cBhvr>
+                                        <p:cTn id="16" dur="1" fill="hold">
+                                          <p:stCondLst>
+                                            <p:cond delay="0"/>
+                                          </p:stCondLst>
+                                        </p:cTn>
+                                        <p:tgtEl>
+                                          <p:spTgt spid="444419">
+                                            <p:txEl>
+                                              <p:pRg st="4" end="4"/>
+                                            </p:txEl>
+                                          </p:spTgt>
+                                        </p:tgtEl>
+                                        <p:attrNameLst>
+                                          <p:attrName>style.visibility</p:attrName>
+                                        </p:attrNameLst>
+                                      </p:cBhvr>
+                                      <p:to>
+                                        <p:strVal val="visible"/>
+                                      </p:to>
+                                    </p:set>
+                                  </p:childTnLst>
+                                </p:cTn>
+                              </p:par>
+                            </p:childTnLst>
+                          </p:cTn>
+                        </p:par>
+                      </p:childTnLst>
+                    </p:cTn>
+                  </p:par>
+                  <p:par>
+                    <p:cTn id="17" fill="hold">
+                      <p:stCondLst>
+                        <p:cond delay="indefinite"/>
+                      </p:stCondLst>
+                      <p:childTnLst>
+                        <p:par>
+                          <p:cTn id="18" fill="hold">
+                            <p:stCondLst>
+                              <p:cond delay="0"/>
+                            </p:stCondLst>
+                            <p:childTnLst>
+                              <p:par>
+                                <p:cTn id="19" presetID="1" presetClass="entr" presetSubtype="0" fill="hold" nodeType="clickEffect">
+                                  <p:stCondLst>
+                                    <p:cond delay="0"/>
+                                  </p:stCondLst>
+                                  <p:childTnLst>
+                                    <p:set>
+                                      <p:cBhvr>
+                                        <p:cTn id="20" dur="1" fill="hold">
+                                          <p:stCondLst>
+                                            <p:cond delay="0"/>
+                                          </p:stCondLst>
+                                        </p:cTn>
+                                        <p:tgtEl>
+                                          <p:spTgt spid="444419">
+                                            <p:txEl>
+                                              <p:pRg st="5" end="5"/>
+                                            </p:txEl>
+                                          </p:spTgt>
+                                        </p:tgtEl>
+                                        <p:attrNameLst>
+                                          <p:attrName>style.visibility</p:attrName>
+                                        </p:attrNameLst>
+                                      </p:cBhvr>
+                                      <p:to>
+                                        <p:strVal val="visible"/>
+                                      </p:to>
+                                    </p:set>
+                                  </p:childTnLst>
+                                </p:cTn>
+                              </p:par>
+                            </p:childTnLst>
+                          </p:cTn>
+                        </p:par>
+                      </p:childTnLst>
+                    </p:cTn>
+                  </p:par>
+                </p:childTnLst>
+              </p:cTn>
+              <p:prevCondLst>
+                <p:cond evt="onPrev" delay="0">
+                  <p:tgtEl>
+                    <p:sldTgt/>
+                  </p:tgtEl>
+                </p:cond>
+              </p:prevCondLst>
+              <p:nextCondLst>
+                <p:cond evt="onNext" delay="0">
+                  <p:tgtEl>
+                    <p:sldTgt/>
+                  </p:tgtEl>
+                </p:cond>
+              </p:nextCondLst>
+            </p:seq>
+          </p:childTnLst>
+        </p:cTn>
+      </p:par>
+    </p:tnLst>
+  </p:timing>
 </p:sld>
 </file>
 
@@ -9016,6 +10336,268 @@
   <p:clrMapOvr>
     <a:masterClrMapping/>
   </p:clrMapOvr>
+  <p:timing>
+    <p:tnLst>
+      <p:par>
+        <p:cTn id="1" dur="indefinite" restart="never" nodeType="tmRoot">
+          <p:childTnLst>
+            <p:seq concurrent="1" nextAc="seek">
+              <p:cTn id="2" dur="indefinite" nodeType="mainSeq">
+                <p:childTnLst>
+                  <p:par>
+                    <p:cTn id="3" fill="hold">
+                      <p:stCondLst>
+                        <p:cond delay="indefinite"/>
+                      </p:stCondLst>
+                      <p:childTnLst>
+                        <p:par>
+                          <p:cTn id="4" fill="hold">
+                            <p:stCondLst>
+                              <p:cond delay="0"/>
+                            </p:stCondLst>
+                            <p:childTnLst>
+                              <p:par>
+                                <p:cTn id="5" presetID="1" presetClass="entr" presetSubtype="0" fill="hold" grpId="0" nodeType="clickEffect">
+                                  <p:stCondLst>
+                                    <p:cond delay="0"/>
+                                  </p:stCondLst>
+                                  <p:childTnLst>
+                                    <p:set>
+                                      <p:cBhvr>
+                                        <p:cTn id="6" dur="1" fill="hold">
+                                          <p:stCondLst>
+                                            <p:cond delay="0"/>
+                                          </p:stCondLst>
+                                        </p:cTn>
+                                        <p:tgtEl>
+                                          <p:spTgt spid="5"/>
+                                        </p:tgtEl>
+                                        <p:attrNameLst>
+                                          <p:attrName>style.visibility</p:attrName>
+                                        </p:attrNameLst>
+                                      </p:cBhvr>
+                                      <p:to>
+                                        <p:strVal val="visible"/>
+                                      </p:to>
+                                    </p:set>
+                                  </p:childTnLst>
+                                </p:cTn>
+                              </p:par>
+                            </p:childTnLst>
+                          </p:cTn>
+                        </p:par>
+                      </p:childTnLst>
+                    </p:cTn>
+                  </p:par>
+                  <p:par>
+                    <p:cTn id="7" fill="hold">
+                      <p:stCondLst>
+                        <p:cond delay="indefinite"/>
+                      </p:stCondLst>
+                      <p:childTnLst>
+                        <p:par>
+                          <p:cTn id="8" fill="hold">
+                            <p:stCondLst>
+                              <p:cond delay="0"/>
+                            </p:stCondLst>
+                            <p:childTnLst>
+                              <p:par>
+                                <p:cTn id="9" presetID="1" presetClass="entr" presetSubtype="0" fill="hold" grpId="0" nodeType="clickEffect">
+                                  <p:stCondLst>
+                                    <p:cond delay="0"/>
+                                  </p:stCondLst>
+                                  <p:childTnLst>
+                                    <p:set>
+                                      <p:cBhvr>
+                                        <p:cTn id="10" dur="1" fill="hold">
+                                          <p:stCondLst>
+                                            <p:cond delay="0"/>
+                                          </p:stCondLst>
+                                        </p:cTn>
+                                        <p:tgtEl>
+                                          <p:spTgt spid="6"/>
+                                        </p:tgtEl>
+                                        <p:attrNameLst>
+                                          <p:attrName>style.visibility</p:attrName>
+                                        </p:attrNameLst>
+                                      </p:cBhvr>
+                                      <p:to>
+                                        <p:strVal val="visible"/>
+                                      </p:to>
+                                    </p:set>
+                                  </p:childTnLst>
+                                </p:cTn>
+                              </p:par>
+                            </p:childTnLst>
+                          </p:cTn>
+                        </p:par>
+                      </p:childTnLst>
+                    </p:cTn>
+                  </p:par>
+                  <p:par>
+                    <p:cTn id="11" fill="hold">
+                      <p:stCondLst>
+                        <p:cond delay="indefinite"/>
+                      </p:stCondLst>
+                      <p:childTnLst>
+                        <p:par>
+                          <p:cTn id="12" fill="hold">
+                            <p:stCondLst>
+                              <p:cond delay="0"/>
+                            </p:stCondLst>
+                            <p:childTnLst>
+                              <p:par>
+                                <p:cTn id="13" presetID="1" presetClass="entr" presetSubtype="0" fill="hold" grpId="0" nodeType="clickEffect">
+                                  <p:stCondLst>
+                                    <p:cond delay="0"/>
+                                  </p:stCondLst>
+                                  <p:childTnLst>
+                                    <p:set>
+                                      <p:cBhvr>
+                                        <p:cTn id="14" dur="1" fill="hold">
+                                          <p:stCondLst>
+                                            <p:cond delay="0"/>
+                                          </p:stCondLst>
+                                        </p:cTn>
+                                        <p:tgtEl>
+                                          <p:spTgt spid="8"/>
+                                        </p:tgtEl>
+                                        <p:attrNameLst>
+                                          <p:attrName>style.visibility</p:attrName>
+                                        </p:attrNameLst>
+                                      </p:cBhvr>
+                                      <p:to>
+                                        <p:strVal val="visible"/>
+                                      </p:to>
+                                    </p:set>
+                                  </p:childTnLst>
+                                </p:cTn>
+                              </p:par>
+                            </p:childTnLst>
+                          </p:cTn>
+                        </p:par>
+                      </p:childTnLst>
+                    </p:cTn>
+                  </p:par>
+                  <p:par>
+                    <p:cTn id="15" fill="hold">
+                      <p:stCondLst>
+                        <p:cond delay="indefinite"/>
+                      </p:stCondLst>
+                      <p:childTnLst>
+                        <p:par>
+                          <p:cTn id="16" fill="hold">
+                            <p:stCondLst>
+                              <p:cond delay="0"/>
+                            </p:stCondLst>
+                            <p:childTnLst>
+                              <p:par>
+                                <p:cTn id="17" presetID="1" presetClass="entr" presetSubtype="0" fill="hold" grpId="0" nodeType="clickEffect">
+                                  <p:stCondLst>
+                                    <p:cond delay="0"/>
+                                  </p:stCondLst>
+                                  <p:childTnLst>
+                                    <p:set>
+                                      <p:cBhvr>
+                                        <p:cTn id="18" dur="1" fill="hold">
+                                          <p:stCondLst>
+                                            <p:cond delay="0"/>
+                                          </p:stCondLst>
+                                        </p:cTn>
+                                        <p:tgtEl>
+                                          <p:spTgt spid="9"/>
+                                        </p:tgtEl>
+                                        <p:attrNameLst>
+                                          <p:attrName>style.visibility</p:attrName>
+                                        </p:attrNameLst>
+                                      </p:cBhvr>
+                                      <p:to>
+                                        <p:strVal val="visible"/>
+                                      </p:to>
+                                    </p:set>
+                                  </p:childTnLst>
+                                </p:cTn>
+                              </p:par>
+                            </p:childTnLst>
+                          </p:cTn>
+                        </p:par>
+                      </p:childTnLst>
+                    </p:cTn>
+                  </p:par>
+                  <p:par>
+                    <p:cTn id="19" fill="hold">
+                      <p:stCondLst>
+                        <p:cond delay="indefinite"/>
+                      </p:stCondLst>
+                      <p:childTnLst>
+                        <p:par>
+                          <p:cTn id="20" fill="hold">
+                            <p:stCondLst>
+                              <p:cond delay="0"/>
+                            </p:stCondLst>
+                            <p:childTnLst>
+                              <p:par>
+                                <p:cTn id="21" presetID="1" presetClass="entr" presetSubtype="0" fill="hold" grpId="0" nodeType="clickEffect">
+                                  <p:stCondLst>
+                                    <p:cond delay="0"/>
+                                  </p:stCondLst>
+                                  <p:childTnLst>
+                                    <p:set>
+                                      <p:cBhvr>
+                                        <p:cTn id="22" dur="1" fill="hold">
+                                          <p:stCondLst>
+                                            <p:cond delay="0"/>
+                                          </p:stCondLst>
+                                        </p:cTn>
+                                        <p:tgtEl>
+                                          <p:spTgt spid="12"/>
+                                        </p:tgtEl>
+                                        <p:attrNameLst>
+                                          <p:attrName>style.visibility</p:attrName>
+                                        </p:attrNameLst>
+                                      </p:cBhvr>
+                                      <p:to>
+                                        <p:strVal val="visible"/>
+                                      </p:to>
+                                    </p:set>
+                                  </p:childTnLst>
+                                </p:cTn>
+                              </p:par>
+                            </p:childTnLst>
+                          </p:cTn>
+                        </p:par>
+                      </p:childTnLst>
+                    </p:cTn>
+                  </p:par>
+                </p:childTnLst>
+              </p:cTn>
+              <p:prevCondLst>
+                <p:cond evt="onPrev" delay="0">
+                  <p:tgtEl>
+                    <p:sldTgt/>
+                  </p:tgtEl>
+                </p:cond>
+              </p:prevCondLst>
+              <p:nextCondLst>
+                <p:cond evt="onNext" delay="0">
+                  <p:tgtEl>
+                    <p:sldTgt/>
+                  </p:tgtEl>
+                </p:cond>
+              </p:nextCondLst>
+            </p:seq>
+          </p:childTnLst>
+        </p:cTn>
+      </p:par>
+    </p:tnLst>
+    <p:bldLst>
+      <p:bldP spid="5" grpId="0" animBg="1"/>
+      <p:bldP spid="6" grpId="0" animBg="1"/>
+      <p:bldP spid="8" grpId="0" animBg="1"/>
+      <p:bldP spid="9" grpId="0" animBg="1"/>
+      <p:bldP spid="12" grpId="0" animBg="1"/>
+    </p:bldLst>
+  </p:timing>
 </p:sld>
 </file>
 
@@ -11703,6 +13285,112 @@
   <p:clrMapOvr>
     <a:masterClrMapping/>
   </p:clrMapOvr>
+  <p:timing>
+    <p:tnLst>
+      <p:par>
+        <p:cTn id="1" dur="indefinite" restart="never" nodeType="tmRoot">
+          <p:childTnLst>
+            <p:seq concurrent="1" nextAc="seek">
+              <p:cTn id="2" dur="indefinite" nodeType="mainSeq">
+                <p:childTnLst>
+                  <p:par>
+                    <p:cTn id="3" fill="hold">
+                      <p:stCondLst>
+                        <p:cond delay="indefinite"/>
+                      </p:stCondLst>
+                      <p:childTnLst>
+                        <p:par>
+                          <p:cTn id="4" fill="hold">
+                            <p:stCondLst>
+                              <p:cond delay="0"/>
+                            </p:stCondLst>
+                            <p:childTnLst>
+                              <p:par>
+                                <p:cTn id="5" presetID="1" presetClass="entr" presetSubtype="0" fill="hold" grpId="0" nodeType="clickEffect">
+                                  <p:stCondLst>
+                                    <p:cond delay="0"/>
+                                  </p:stCondLst>
+                                  <p:childTnLst>
+                                    <p:set>
+                                      <p:cBhvr>
+                                        <p:cTn id="6" dur="1" fill="hold">
+                                          <p:stCondLst>
+                                            <p:cond delay="0"/>
+                                          </p:stCondLst>
+                                        </p:cTn>
+                                        <p:tgtEl>
+                                          <p:spTgt spid="8"/>
+                                        </p:tgtEl>
+                                        <p:attrNameLst>
+                                          <p:attrName>style.visibility</p:attrName>
+                                        </p:attrNameLst>
+                                      </p:cBhvr>
+                                      <p:to>
+                                        <p:strVal val="visible"/>
+                                      </p:to>
+                                    </p:set>
+                                  </p:childTnLst>
+                                </p:cTn>
+                              </p:par>
+                              <p:par>
+                                <p:cTn id="7" presetID="1" presetClass="entr" presetSubtype="0" fill="hold" grpId="0" nodeType="withEffect">
+                                  <p:stCondLst>
+                                    <p:cond delay="0"/>
+                                  </p:stCondLst>
+                                  <p:childTnLst>
+                                    <p:set>
+                                      <p:cBhvr>
+                                        <p:cTn id="8" dur="1" fill="hold">
+                                          <p:stCondLst>
+                                            <p:cond delay="0"/>
+                                          </p:stCondLst>
+                                        </p:cTn>
+                                        <p:tgtEl>
+                                          <p:spTgt spid="10"/>
+                                        </p:tgtEl>
+                                        <p:attrNameLst>
+                                          <p:attrName>style.visibility</p:attrName>
+                                        </p:attrNameLst>
+                                      </p:cBhvr>
+                                      <p:to>
+                                        <p:strVal val="visible"/>
+                                      </p:to>
+                                    </p:set>
+                                  </p:childTnLst>
+                                </p:cTn>
+                              </p:par>
+                            </p:childTnLst>
+                          </p:cTn>
+                        </p:par>
+                      </p:childTnLst>
+                    </p:cTn>
+                  </p:par>
+                </p:childTnLst>
+              </p:cTn>
+              <p:prevCondLst>
+                <p:cond evt="onPrev" delay="0">
+                  <p:tgtEl>
+                    <p:sldTgt/>
+                  </p:tgtEl>
+                </p:cond>
+              </p:prevCondLst>
+              <p:nextCondLst>
+                <p:cond evt="onNext" delay="0">
+                  <p:tgtEl>
+                    <p:sldTgt/>
+                  </p:tgtEl>
+                </p:cond>
+              </p:nextCondLst>
+            </p:seq>
+          </p:childTnLst>
+        </p:cTn>
+      </p:par>
+    </p:tnLst>
+    <p:bldLst>
+      <p:bldP spid="10" grpId="0" animBg="1"/>
+      <p:bldP spid="8" grpId="0"/>
+    </p:bldLst>
+  </p:timing>
 </p:sld>
 </file>
 
@@ -12191,6 +13879,352 @@
   <p:clrMapOvr>
     <a:masterClrMapping/>
   </p:clrMapOvr>
+  <p:timing>
+    <p:tnLst>
+      <p:par>
+        <p:cTn id="1" dur="indefinite" restart="never" nodeType="tmRoot">
+          <p:childTnLst>
+            <p:seq concurrent="1" nextAc="seek">
+              <p:cTn id="2" dur="indefinite" nodeType="mainSeq">
+                <p:childTnLst>
+                  <p:par>
+                    <p:cTn id="3" fill="hold">
+                      <p:stCondLst>
+                        <p:cond delay="indefinite"/>
+                      </p:stCondLst>
+                      <p:childTnLst>
+                        <p:par>
+                          <p:cTn id="4" fill="hold">
+                            <p:stCondLst>
+                              <p:cond delay="0"/>
+                            </p:stCondLst>
+                            <p:childTnLst>
+                              <p:par>
+                                <p:cTn id="5" presetID="1" presetClass="entr" presetSubtype="0" fill="hold" nodeType="clickEffect">
+                                  <p:stCondLst>
+                                    <p:cond delay="0"/>
+                                  </p:stCondLst>
+                                  <p:childTnLst>
+                                    <p:set>
+                                      <p:cBhvr>
+                                        <p:cTn id="6" dur="1" fill="hold">
+                                          <p:stCondLst>
+                                            <p:cond delay="0"/>
+                                          </p:stCondLst>
+                                        </p:cTn>
+                                        <p:tgtEl>
+                                          <p:spTgt spid="15">
+                                            <p:txEl>
+                                              <p:pRg st="1" end="1"/>
+                                            </p:txEl>
+                                          </p:spTgt>
+                                        </p:tgtEl>
+                                        <p:attrNameLst>
+                                          <p:attrName>style.visibility</p:attrName>
+                                        </p:attrNameLst>
+                                      </p:cBhvr>
+                                      <p:to>
+                                        <p:strVal val="visible"/>
+                                      </p:to>
+                                    </p:set>
+                                  </p:childTnLst>
+                                </p:cTn>
+                              </p:par>
+                              <p:par>
+                                <p:cTn id="7" presetID="1" presetClass="entr" presetSubtype="0" fill="hold" grpId="0" nodeType="withEffect">
+                                  <p:stCondLst>
+                                    <p:cond delay="0"/>
+                                  </p:stCondLst>
+                                  <p:childTnLst>
+                                    <p:set>
+                                      <p:cBhvr>
+                                        <p:cTn id="8" dur="1" fill="hold">
+                                          <p:stCondLst>
+                                            <p:cond delay="0"/>
+                                          </p:stCondLst>
+                                        </p:cTn>
+                                        <p:tgtEl>
+                                          <p:spTgt spid="5"/>
+                                        </p:tgtEl>
+                                        <p:attrNameLst>
+                                          <p:attrName>style.visibility</p:attrName>
+                                        </p:attrNameLst>
+                                      </p:cBhvr>
+                                      <p:to>
+                                        <p:strVal val="visible"/>
+                                      </p:to>
+                                    </p:set>
+                                  </p:childTnLst>
+                                </p:cTn>
+                              </p:par>
+                              <p:par>
+                                <p:cTn id="9" presetID="1" presetClass="entr" presetSubtype="0" fill="hold" nodeType="withEffect">
+                                  <p:stCondLst>
+                                    <p:cond delay="0"/>
+                                  </p:stCondLst>
+                                  <p:childTnLst>
+                                    <p:set>
+                                      <p:cBhvr>
+                                        <p:cTn id="10" dur="1" fill="hold">
+                                          <p:stCondLst>
+                                            <p:cond delay="0"/>
+                                          </p:stCondLst>
+                                        </p:cTn>
+                                        <p:tgtEl>
+                                          <p:spTgt spid="5">
+                                            <p:txEl>
+                                              <p:pRg st="0" end="0"/>
+                                            </p:txEl>
+                                          </p:spTgt>
+                                        </p:tgtEl>
+                                        <p:attrNameLst>
+                                          <p:attrName>style.visibility</p:attrName>
+                                        </p:attrNameLst>
+                                      </p:cBhvr>
+                                      <p:to>
+                                        <p:strVal val="visible"/>
+                                      </p:to>
+                                    </p:set>
+                                  </p:childTnLst>
+                                </p:cTn>
+                              </p:par>
+                            </p:childTnLst>
+                          </p:cTn>
+                        </p:par>
+                      </p:childTnLst>
+                    </p:cTn>
+                  </p:par>
+                  <p:par>
+                    <p:cTn id="11" fill="hold">
+                      <p:stCondLst>
+                        <p:cond delay="indefinite"/>
+                      </p:stCondLst>
+                      <p:childTnLst>
+                        <p:par>
+                          <p:cTn id="12" fill="hold">
+                            <p:stCondLst>
+                              <p:cond delay="0"/>
+                            </p:stCondLst>
+                            <p:childTnLst>
+                              <p:par>
+                                <p:cTn id="13" presetID="1" presetClass="entr" presetSubtype="0" fill="hold" nodeType="clickEffect">
+                                  <p:stCondLst>
+                                    <p:cond delay="0"/>
+                                  </p:stCondLst>
+                                  <p:childTnLst>
+                                    <p:set>
+                                      <p:cBhvr>
+                                        <p:cTn id="14" dur="1" fill="hold">
+                                          <p:stCondLst>
+                                            <p:cond delay="0"/>
+                                          </p:stCondLst>
+                                        </p:cTn>
+                                        <p:tgtEl>
+                                          <p:spTgt spid="5">
+                                            <p:txEl>
+                                              <p:pRg st="1" end="1"/>
+                                            </p:txEl>
+                                          </p:spTgt>
+                                        </p:tgtEl>
+                                        <p:attrNameLst>
+                                          <p:attrName>style.visibility</p:attrName>
+                                        </p:attrNameLst>
+                                      </p:cBhvr>
+                                      <p:to>
+                                        <p:strVal val="visible"/>
+                                      </p:to>
+                                    </p:set>
+                                  </p:childTnLst>
+                                </p:cTn>
+                              </p:par>
+                              <p:par>
+                                <p:cTn id="15" presetID="1" presetClass="entr" presetSubtype="0" fill="hold" nodeType="withEffect">
+                                  <p:stCondLst>
+                                    <p:cond delay="0"/>
+                                  </p:stCondLst>
+                                  <p:childTnLst>
+                                    <p:set>
+                                      <p:cBhvr>
+                                        <p:cTn id="16" dur="1" fill="hold">
+                                          <p:stCondLst>
+                                            <p:cond delay="0"/>
+                                          </p:stCondLst>
+                                        </p:cTn>
+                                        <p:tgtEl>
+                                          <p:spTgt spid="5">
+                                            <p:txEl>
+                                              <p:pRg st="2" end="2"/>
+                                            </p:txEl>
+                                          </p:spTgt>
+                                        </p:tgtEl>
+                                        <p:attrNameLst>
+                                          <p:attrName>style.visibility</p:attrName>
+                                        </p:attrNameLst>
+                                      </p:cBhvr>
+                                      <p:to>
+                                        <p:strVal val="visible"/>
+                                      </p:to>
+                                    </p:set>
+                                  </p:childTnLst>
+                                </p:cTn>
+                              </p:par>
+                              <p:par>
+                                <p:cTn id="17" presetID="1" presetClass="entr" presetSubtype="0" fill="hold" nodeType="withEffect">
+                                  <p:stCondLst>
+                                    <p:cond delay="0"/>
+                                  </p:stCondLst>
+                                  <p:childTnLst>
+                                    <p:set>
+                                      <p:cBhvr>
+                                        <p:cTn id="18" dur="1" fill="hold">
+                                          <p:stCondLst>
+                                            <p:cond delay="0"/>
+                                          </p:stCondLst>
+                                        </p:cTn>
+                                        <p:tgtEl>
+                                          <p:spTgt spid="5">
+                                            <p:txEl>
+                                              <p:pRg st="4" end="4"/>
+                                            </p:txEl>
+                                          </p:spTgt>
+                                        </p:tgtEl>
+                                        <p:attrNameLst>
+                                          <p:attrName>style.visibility</p:attrName>
+                                        </p:attrNameLst>
+                                      </p:cBhvr>
+                                      <p:to>
+                                        <p:strVal val="visible"/>
+                                      </p:to>
+                                    </p:set>
+                                  </p:childTnLst>
+                                </p:cTn>
+                              </p:par>
+                            </p:childTnLst>
+                          </p:cTn>
+                        </p:par>
+                      </p:childTnLst>
+                    </p:cTn>
+                  </p:par>
+                  <p:par>
+                    <p:cTn id="19" fill="hold">
+                      <p:stCondLst>
+                        <p:cond delay="indefinite"/>
+                      </p:stCondLst>
+                      <p:childTnLst>
+                        <p:par>
+                          <p:cTn id="20" fill="hold">
+                            <p:stCondLst>
+                              <p:cond delay="0"/>
+                            </p:stCondLst>
+                            <p:childTnLst>
+                              <p:par>
+                                <p:cTn id="21" presetID="1" presetClass="entr" presetSubtype="0" fill="hold" nodeType="clickEffect">
+                                  <p:stCondLst>
+                                    <p:cond delay="0"/>
+                                  </p:stCondLst>
+                                  <p:childTnLst>
+                                    <p:set>
+                                      <p:cBhvr>
+                                        <p:cTn id="22" dur="1" fill="hold">
+                                          <p:stCondLst>
+                                            <p:cond delay="0"/>
+                                          </p:stCondLst>
+                                        </p:cTn>
+                                        <p:tgtEl>
+                                          <p:spTgt spid="5">
+                                            <p:txEl>
+                                              <p:pRg st="3" end="3"/>
+                                            </p:txEl>
+                                          </p:spTgt>
+                                        </p:tgtEl>
+                                        <p:attrNameLst>
+                                          <p:attrName>style.visibility</p:attrName>
+                                        </p:attrNameLst>
+                                      </p:cBhvr>
+                                      <p:to>
+                                        <p:strVal val="visible"/>
+                                      </p:to>
+                                    </p:set>
+                                  </p:childTnLst>
+                                </p:cTn>
+                              </p:par>
+                            </p:childTnLst>
+                          </p:cTn>
+                        </p:par>
+                      </p:childTnLst>
+                    </p:cTn>
+                  </p:par>
+                  <p:par>
+                    <p:cTn id="23" fill="hold">
+                      <p:stCondLst>
+                        <p:cond delay="indefinite"/>
+                      </p:stCondLst>
+                      <p:childTnLst>
+                        <p:par>
+                          <p:cTn id="24" fill="hold">
+                            <p:stCondLst>
+                              <p:cond delay="0"/>
+                            </p:stCondLst>
+                            <p:childTnLst>
+                              <p:par>
+                                <p:cTn id="25" presetID="1" presetClass="entr" presetSubtype="0" fill="hold" grpId="0" nodeType="clickEffect">
+                                  <p:stCondLst>
+                                    <p:cond delay="0"/>
+                                  </p:stCondLst>
+                                  <p:childTnLst>
+                                    <p:set>
+                                      <p:cBhvr>
+                                        <p:cTn id="26" dur="1" fill="hold">
+                                          <p:stCondLst>
+                                            <p:cond delay="0"/>
+                                          </p:stCondLst>
+                                        </p:cTn>
+                                        <p:tgtEl>
+                                          <p:spTgt spid="3"/>
+                                        </p:tgtEl>
+                                        <p:attrNameLst>
+                                          <p:attrName>style.visibility</p:attrName>
+                                        </p:attrNameLst>
+                                      </p:cBhvr>
+                                      <p:to>
+                                        <p:strVal val="visible"/>
+                                      </p:to>
+                                    </p:set>
+                                  </p:childTnLst>
+                                </p:cTn>
+                              </p:par>
+                            </p:childTnLst>
+                          </p:cTn>
+                        </p:par>
+                      </p:childTnLst>
+                    </p:cTn>
+                  </p:par>
+                </p:childTnLst>
+              </p:cTn>
+              <p:prevCondLst>
+                <p:cond evt="onPrev" delay="0">
+                  <p:tgtEl>
+                    <p:sldTgt/>
+                  </p:tgtEl>
+                </p:cond>
+              </p:prevCondLst>
+              <p:nextCondLst>
+                <p:cond evt="onNext" delay="0">
+                  <p:tgtEl>
+                    <p:sldTgt/>
+                  </p:tgtEl>
+                </p:cond>
+              </p:nextCondLst>
+            </p:seq>
+          </p:childTnLst>
+        </p:cTn>
+      </p:par>
+    </p:tnLst>
+    <p:bldLst>
+      <p:bldP spid="5" grpId="0" animBg="1"/>
+      <p:bldP spid="3" grpId="0"/>
+    </p:bldLst>
+  </p:timing>
 </p:sld>
 </file>
 
@@ -12804,6 +14838,445 @@
   <p:clrMapOvr>
     <a:masterClrMapping/>
   </p:clrMapOvr>
+  <p:timing>
+    <p:tnLst>
+      <p:par>
+        <p:cTn id="1" dur="indefinite" restart="never" nodeType="tmRoot">
+          <p:childTnLst>
+            <p:seq concurrent="1" nextAc="seek">
+              <p:cTn id="2" dur="indefinite" nodeType="mainSeq">
+                <p:childTnLst>
+                  <p:par>
+                    <p:cTn id="3" fill="hold">
+                      <p:stCondLst>
+                        <p:cond delay="indefinite"/>
+                      </p:stCondLst>
+                      <p:childTnLst>
+                        <p:par>
+                          <p:cTn id="4" fill="hold">
+                            <p:stCondLst>
+                              <p:cond delay="0"/>
+                            </p:stCondLst>
+                            <p:childTnLst>
+                              <p:par>
+                                <p:cTn id="5" presetID="1" presetClass="entr" presetSubtype="0" fill="hold" grpId="0" nodeType="clickEffect">
+                                  <p:stCondLst>
+                                    <p:cond delay="0"/>
+                                  </p:stCondLst>
+                                  <p:childTnLst>
+                                    <p:set>
+                                      <p:cBhvr>
+                                        <p:cTn id="6" dur="1" fill="hold">
+                                          <p:stCondLst>
+                                            <p:cond delay="0"/>
+                                          </p:stCondLst>
+                                        </p:cTn>
+                                        <p:tgtEl>
+                                          <p:spTgt spid="5"/>
+                                        </p:tgtEl>
+                                        <p:attrNameLst>
+                                          <p:attrName>style.visibility</p:attrName>
+                                        </p:attrNameLst>
+                                      </p:cBhvr>
+                                      <p:to>
+                                        <p:strVal val="visible"/>
+                                      </p:to>
+                                    </p:set>
+                                  </p:childTnLst>
+                                </p:cTn>
+                              </p:par>
+                              <p:par>
+                                <p:cTn id="7" presetID="1" presetClass="entr" presetSubtype="0" fill="hold" nodeType="withEffect">
+                                  <p:stCondLst>
+                                    <p:cond delay="0"/>
+                                  </p:stCondLst>
+                                  <p:childTnLst>
+                                    <p:set>
+                                      <p:cBhvr>
+                                        <p:cTn id="8" dur="1" fill="hold">
+                                          <p:stCondLst>
+                                            <p:cond delay="0"/>
+                                          </p:stCondLst>
+                                        </p:cTn>
+                                        <p:tgtEl>
+                                          <p:spTgt spid="5">
+                                            <p:txEl>
+                                              <p:pRg st="0" end="0"/>
+                                            </p:txEl>
+                                          </p:spTgt>
+                                        </p:tgtEl>
+                                        <p:attrNameLst>
+                                          <p:attrName>style.visibility</p:attrName>
+                                        </p:attrNameLst>
+                                      </p:cBhvr>
+                                      <p:to>
+                                        <p:strVal val="visible"/>
+                                      </p:to>
+                                    </p:set>
+                                  </p:childTnLst>
+                                </p:cTn>
+                              </p:par>
+                            </p:childTnLst>
+                          </p:cTn>
+                        </p:par>
+                      </p:childTnLst>
+                    </p:cTn>
+                  </p:par>
+                  <p:par>
+                    <p:cTn id="9" fill="hold">
+                      <p:stCondLst>
+                        <p:cond delay="indefinite"/>
+                      </p:stCondLst>
+                      <p:childTnLst>
+                        <p:par>
+                          <p:cTn id="10" fill="hold">
+                            <p:stCondLst>
+                              <p:cond delay="0"/>
+                            </p:stCondLst>
+                            <p:childTnLst>
+                              <p:par>
+                                <p:cTn id="11" presetID="1" presetClass="entr" presetSubtype="0" fill="hold" nodeType="clickEffect">
+                                  <p:stCondLst>
+                                    <p:cond delay="0"/>
+                                  </p:stCondLst>
+                                  <p:childTnLst>
+                                    <p:set>
+                                      <p:cBhvr>
+                                        <p:cTn id="12" dur="1" fill="hold">
+                                          <p:stCondLst>
+                                            <p:cond delay="0"/>
+                                          </p:stCondLst>
+                                        </p:cTn>
+                                        <p:tgtEl>
+                                          <p:spTgt spid="5">
+                                            <p:txEl>
+                                              <p:pRg st="1" end="1"/>
+                                            </p:txEl>
+                                          </p:spTgt>
+                                        </p:tgtEl>
+                                        <p:attrNameLst>
+                                          <p:attrName>style.visibility</p:attrName>
+                                        </p:attrNameLst>
+                                      </p:cBhvr>
+                                      <p:to>
+                                        <p:strVal val="visible"/>
+                                      </p:to>
+                                    </p:set>
+                                  </p:childTnLst>
+                                </p:cTn>
+                              </p:par>
+                              <p:par>
+                                <p:cTn id="13" presetID="1" presetClass="entr" presetSubtype="0" fill="hold" nodeType="withEffect">
+                                  <p:stCondLst>
+                                    <p:cond delay="0"/>
+                                  </p:stCondLst>
+                                  <p:childTnLst>
+                                    <p:set>
+                                      <p:cBhvr>
+                                        <p:cTn id="14" dur="1" fill="hold">
+                                          <p:stCondLst>
+                                            <p:cond delay="0"/>
+                                          </p:stCondLst>
+                                        </p:cTn>
+                                        <p:tgtEl>
+                                          <p:spTgt spid="5">
+                                            <p:txEl>
+                                              <p:pRg st="2" end="2"/>
+                                            </p:txEl>
+                                          </p:spTgt>
+                                        </p:tgtEl>
+                                        <p:attrNameLst>
+                                          <p:attrName>style.visibility</p:attrName>
+                                        </p:attrNameLst>
+                                      </p:cBhvr>
+                                      <p:to>
+                                        <p:strVal val="visible"/>
+                                      </p:to>
+                                    </p:set>
+                                  </p:childTnLst>
+                                </p:cTn>
+                              </p:par>
+                              <p:par>
+                                <p:cTn id="15" presetID="1" presetClass="entr" presetSubtype="0" fill="hold" nodeType="withEffect">
+                                  <p:stCondLst>
+                                    <p:cond delay="0"/>
+                                  </p:stCondLst>
+                                  <p:childTnLst>
+                                    <p:set>
+                                      <p:cBhvr>
+                                        <p:cTn id="16" dur="1" fill="hold">
+                                          <p:stCondLst>
+                                            <p:cond delay="0"/>
+                                          </p:stCondLst>
+                                        </p:cTn>
+                                        <p:tgtEl>
+                                          <p:spTgt spid="5">
+                                            <p:txEl>
+                                              <p:pRg st="3" end="3"/>
+                                            </p:txEl>
+                                          </p:spTgt>
+                                        </p:tgtEl>
+                                        <p:attrNameLst>
+                                          <p:attrName>style.visibility</p:attrName>
+                                        </p:attrNameLst>
+                                      </p:cBhvr>
+                                      <p:to>
+                                        <p:strVal val="visible"/>
+                                      </p:to>
+                                    </p:set>
+                                  </p:childTnLst>
+                                </p:cTn>
+                              </p:par>
+                              <p:par>
+                                <p:cTn id="17" presetID="1" presetClass="entr" presetSubtype="0" fill="hold" nodeType="withEffect">
+                                  <p:stCondLst>
+                                    <p:cond delay="0"/>
+                                  </p:stCondLst>
+                                  <p:childTnLst>
+                                    <p:set>
+                                      <p:cBhvr>
+                                        <p:cTn id="18" dur="1" fill="hold">
+                                          <p:stCondLst>
+                                            <p:cond delay="0"/>
+                                          </p:stCondLst>
+                                        </p:cTn>
+                                        <p:tgtEl>
+                                          <p:spTgt spid="5">
+                                            <p:txEl>
+                                              <p:pRg st="4" end="4"/>
+                                            </p:txEl>
+                                          </p:spTgt>
+                                        </p:tgtEl>
+                                        <p:attrNameLst>
+                                          <p:attrName>style.visibility</p:attrName>
+                                        </p:attrNameLst>
+                                      </p:cBhvr>
+                                      <p:to>
+                                        <p:strVal val="visible"/>
+                                      </p:to>
+                                    </p:set>
+                                  </p:childTnLst>
+                                </p:cTn>
+                              </p:par>
+                            </p:childTnLst>
+                          </p:cTn>
+                        </p:par>
+                      </p:childTnLst>
+                    </p:cTn>
+                  </p:par>
+                  <p:par>
+                    <p:cTn id="19" fill="hold">
+                      <p:stCondLst>
+                        <p:cond delay="indefinite"/>
+                      </p:stCondLst>
+                      <p:childTnLst>
+                        <p:par>
+                          <p:cTn id="20" fill="hold">
+                            <p:stCondLst>
+                              <p:cond delay="0"/>
+                            </p:stCondLst>
+                            <p:childTnLst>
+                              <p:par>
+                                <p:cTn id="21" presetID="1" presetClass="entr" presetSubtype="0" fill="hold" nodeType="clickEffect">
+                                  <p:stCondLst>
+                                    <p:cond delay="0"/>
+                                  </p:stCondLst>
+                                  <p:childTnLst>
+                                    <p:set>
+                                      <p:cBhvr>
+                                        <p:cTn id="22" dur="1" fill="hold">
+                                          <p:stCondLst>
+                                            <p:cond delay="0"/>
+                                          </p:stCondLst>
+                                        </p:cTn>
+                                        <p:tgtEl>
+                                          <p:spTgt spid="5">
+                                            <p:txEl>
+                                              <p:pRg st="5" end="5"/>
+                                            </p:txEl>
+                                          </p:spTgt>
+                                        </p:tgtEl>
+                                        <p:attrNameLst>
+                                          <p:attrName>style.visibility</p:attrName>
+                                        </p:attrNameLst>
+                                      </p:cBhvr>
+                                      <p:to>
+                                        <p:strVal val="visible"/>
+                                      </p:to>
+                                    </p:set>
+                                  </p:childTnLst>
+                                </p:cTn>
+                              </p:par>
+                              <p:par>
+                                <p:cTn id="23" presetID="1" presetClass="entr" presetSubtype="0" fill="hold" nodeType="withEffect">
+                                  <p:stCondLst>
+                                    <p:cond delay="0"/>
+                                  </p:stCondLst>
+                                  <p:childTnLst>
+                                    <p:set>
+                                      <p:cBhvr>
+                                        <p:cTn id="24" dur="1" fill="hold">
+                                          <p:stCondLst>
+                                            <p:cond delay="0"/>
+                                          </p:stCondLst>
+                                        </p:cTn>
+                                        <p:tgtEl>
+                                          <p:spTgt spid="5">
+                                            <p:txEl>
+                                              <p:pRg st="6" end="6"/>
+                                            </p:txEl>
+                                          </p:spTgt>
+                                        </p:tgtEl>
+                                        <p:attrNameLst>
+                                          <p:attrName>style.visibility</p:attrName>
+                                        </p:attrNameLst>
+                                      </p:cBhvr>
+                                      <p:to>
+                                        <p:strVal val="visible"/>
+                                      </p:to>
+                                    </p:set>
+                                  </p:childTnLst>
+                                </p:cTn>
+                              </p:par>
+                              <p:par>
+                                <p:cTn id="25" presetID="1" presetClass="entr" presetSubtype="0" fill="hold" nodeType="withEffect">
+                                  <p:stCondLst>
+                                    <p:cond delay="0"/>
+                                  </p:stCondLst>
+                                  <p:childTnLst>
+                                    <p:set>
+                                      <p:cBhvr>
+                                        <p:cTn id="26" dur="1" fill="hold">
+                                          <p:stCondLst>
+                                            <p:cond delay="0"/>
+                                          </p:stCondLst>
+                                        </p:cTn>
+                                        <p:tgtEl>
+                                          <p:spTgt spid="5">
+                                            <p:txEl>
+                                              <p:pRg st="7" end="7"/>
+                                            </p:txEl>
+                                          </p:spTgt>
+                                        </p:tgtEl>
+                                        <p:attrNameLst>
+                                          <p:attrName>style.visibility</p:attrName>
+                                        </p:attrNameLst>
+                                      </p:cBhvr>
+                                      <p:to>
+                                        <p:strVal val="visible"/>
+                                      </p:to>
+                                    </p:set>
+                                  </p:childTnLst>
+                                </p:cTn>
+                              </p:par>
+                              <p:par>
+                                <p:cTn id="27" presetID="1" presetClass="entr" presetSubtype="0" fill="hold" nodeType="withEffect">
+                                  <p:stCondLst>
+                                    <p:cond delay="0"/>
+                                  </p:stCondLst>
+                                  <p:childTnLst>
+                                    <p:set>
+                                      <p:cBhvr>
+                                        <p:cTn id="28" dur="1" fill="hold">
+                                          <p:stCondLst>
+                                            <p:cond delay="0"/>
+                                          </p:stCondLst>
+                                        </p:cTn>
+                                        <p:tgtEl>
+                                          <p:spTgt spid="5">
+                                            <p:txEl>
+                                              <p:pRg st="8" end="8"/>
+                                            </p:txEl>
+                                          </p:spTgt>
+                                        </p:tgtEl>
+                                        <p:attrNameLst>
+                                          <p:attrName>style.visibility</p:attrName>
+                                        </p:attrNameLst>
+                                      </p:cBhvr>
+                                      <p:to>
+                                        <p:strVal val="visible"/>
+                                      </p:to>
+                                    </p:set>
+                                  </p:childTnLst>
+                                </p:cTn>
+                              </p:par>
+                            </p:childTnLst>
+                          </p:cTn>
+                        </p:par>
+                      </p:childTnLst>
+                    </p:cTn>
+                  </p:par>
+                  <p:par>
+                    <p:cTn id="29" fill="hold">
+                      <p:stCondLst>
+                        <p:cond delay="indefinite"/>
+                      </p:stCondLst>
+                      <p:childTnLst>
+                        <p:par>
+                          <p:cTn id="30" fill="hold">
+                            <p:stCondLst>
+                              <p:cond delay="0"/>
+                            </p:stCondLst>
+                            <p:childTnLst>
+                              <p:par>
+                                <p:cTn id="31" presetID="1" presetClass="entr" presetSubtype="0" fill="hold" grpId="0" nodeType="clickEffect">
+                                  <p:stCondLst>
+                                    <p:cond delay="0"/>
+                                  </p:stCondLst>
+                                  <p:childTnLst>
+                                    <p:set>
+                                      <p:cBhvr>
+                                        <p:cTn id="32" dur="1" fill="hold">
+                                          <p:stCondLst>
+                                            <p:cond delay="0"/>
+                                          </p:stCondLst>
+                                        </p:cTn>
+                                        <p:tgtEl>
+                                          <p:spTgt spid="9"/>
+                                        </p:tgtEl>
+                                        <p:attrNameLst>
+                                          <p:attrName>style.visibility</p:attrName>
+                                        </p:attrNameLst>
+                                      </p:cBhvr>
+                                      <p:to>
+                                        <p:strVal val="visible"/>
+                                      </p:to>
+                                    </p:set>
+                                  </p:childTnLst>
+                                </p:cTn>
+                              </p:par>
+                            </p:childTnLst>
+                          </p:cTn>
+                        </p:par>
+                      </p:childTnLst>
+                    </p:cTn>
+                  </p:par>
+                </p:childTnLst>
+              </p:cTn>
+              <p:prevCondLst>
+                <p:cond evt="onPrev" delay="0">
+                  <p:tgtEl>
+                    <p:sldTgt/>
+                  </p:tgtEl>
+                </p:cond>
+              </p:prevCondLst>
+              <p:nextCondLst>
+                <p:cond evt="onNext" delay="0">
+                  <p:tgtEl>
+                    <p:sldTgt/>
+                  </p:tgtEl>
+                </p:cond>
+              </p:nextCondLst>
+            </p:seq>
+          </p:childTnLst>
+        </p:cTn>
+      </p:par>
+    </p:tnLst>
+    <p:bldLst>
+      <p:bldP spid="5" grpId="0" animBg="1"/>
+      <p:bldP spid="9" grpId="0"/>
+    </p:bldLst>
+  </p:timing>
 </p:sld>
 </file>
 
@@ -14380,7 +16853,7 @@
                             </p:stCondLst>
                             <p:childTnLst>
                               <p:par>
-                                <p:cTn id="5" presetID="1" presetClass="entr" presetSubtype="0" fill="hold" grpId="0" nodeType="clickEffect">
+                                <p:cTn id="5" presetID="1" presetClass="entr" presetSubtype="0" fill="hold" nodeType="clickEffect">
                                   <p:stCondLst>
                                     <p:cond delay="0"/>
                                   </p:stCondLst>
@@ -14393,7 +16866,11 @@
                                           </p:stCondLst>
                                         </p:cTn>
                                         <p:tgtEl>
-                                          <p:spTgt spid="6"/>
+                                          <p:spTgt spid="15">
+                                            <p:txEl>
+                                              <p:pRg st="1" end="1"/>
+                                            </p:txEl>
+                                          </p:spTgt>
                                         </p:tgtEl>
                                         <p:attrNameLst>
                                           <p:attrName>style.visibility</p:attrName>
@@ -14406,35 +16883,26 @@
                                   </p:childTnLst>
                                 </p:cTn>
                               </p:par>
+                            </p:childTnLst>
+                          </p:cTn>
+                        </p:par>
+                      </p:childTnLst>
+                    </p:cTn>
+                  </p:par>
+                  <p:par>
+                    <p:cTn id="7" fill="hold">
+                      <p:stCondLst>
+                        <p:cond delay="indefinite"/>
+                      </p:stCondLst>
+                      <p:childTnLst>
+                        <p:par>
+                          <p:cTn id="8" fill="hold">
+                            <p:stCondLst>
+                              <p:cond delay="0"/>
+                            </p:stCondLst>
+                            <p:childTnLst>
                               <p:par>
-                                <p:cTn id="7" presetID="1" presetClass="entr" presetSubtype="0" fill="hold" grpId="0" nodeType="withEffect">
-                                  <p:stCondLst>
-                                    <p:cond delay="0"/>
-                                  </p:stCondLst>
-                                  <p:childTnLst>
-                                    <p:set>
-                                      <p:cBhvr>
-                                        <p:cTn id="8" dur="1" fill="hold">
-                                          <p:stCondLst>
-                                            <p:cond delay="0"/>
-                                          </p:stCondLst>
-                                        </p:cTn>
-                                        <p:tgtEl>
-                                          <p:spTgt spid="11"/>
-                                        </p:tgtEl>
-                                        <p:attrNameLst>
-                                          <p:attrName>style.visibility</p:attrName>
-                                        </p:attrNameLst>
-                                      </p:cBhvr>
-                                      <p:to>
-                                        <p:strVal val="visible"/>
-                                      </p:to>
-                                    </p:set>
-                                  </p:childTnLst>
-                                </p:cTn>
-                              </p:par>
-                              <p:par>
-                                <p:cTn id="9" presetID="1" presetClass="entr" presetSubtype="0" fill="hold" grpId="0" nodeType="withEffect">
+                                <p:cTn id="9" presetID="1" presetClass="entr" presetSubtype="0" fill="hold" grpId="0" nodeType="clickEffect">
                                   <p:stCondLst>
                                     <p:cond delay="0"/>
                                   </p:stCondLst>
@@ -14447,7 +16915,7 @@
                                           </p:stCondLst>
                                         </p:cTn>
                                         <p:tgtEl>
-                                          <p:spTgt spid="8"/>
+                                          <p:spTgt spid="5"/>
                                         </p:tgtEl>
                                         <p:attrNameLst>
                                           <p:attrName>style.visibility</p:attrName>
@@ -14492,6 +16960,177 @@
                                           </p:stCondLst>
                                         </p:cTn>
                                         <p:tgtEl>
+                                          <p:spTgt spid="7"/>
+                                        </p:tgtEl>
+                                        <p:attrNameLst>
+                                          <p:attrName>style.visibility</p:attrName>
+                                        </p:attrNameLst>
+                                      </p:cBhvr>
+                                      <p:to>
+                                        <p:strVal val="visible"/>
+                                      </p:to>
+                                    </p:set>
+                                  </p:childTnLst>
+                                </p:cTn>
+                              </p:par>
+                            </p:childTnLst>
+                          </p:cTn>
+                        </p:par>
+                      </p:childTnLst>
+                    </p:cTn>
+                  </p:par>
+                  <p:par>
+                    <p:cTn id="15" fill="hold">
+                      <p:stCondLst>
+                        <p:cond delay="indefinite"/>
+                      </p:stCondLst>
+                      <p:childTnLst>
+                        <p:par>
+                          <p:cTn id="16" fill="hold">
+                            <p:stCondLst>
+                              <p:cond delay="0"/>
+                            </p:stCondLst>
+                            <p:childTnLst>
+                              <p:par>
+                                <p:cTn id="17" presetID="1" presetClass="entr" presetSubtype="0" fill="hold" grpId="0" nodeType="clickEffect">
+                                  <p:stCondLst>
+                                    <p:cond delay="0"/>
+                                  </p:stCondLst>
+                                  <p:childTnLst>
+                                    <p:set>
+                                      <p:cBhvr>
+                                        <p:cTn id="18" dur="1" fill="hold">
+                                          <p:stCondLst>
+                                            <p:cond delay="0"/>
+                                          </p:stCondLst>
+                                        </p:cTn>
+                                        <p:tgtEl>
+                                          <p:spTgt spid="8"/>
+                                        </p:tgtEl>
+                                        <p:attrNameLst>
+                                          <p:attrName>style.visibility</p:attrName>
+                                        </p:attrNameLst>
+                                      </p:cBhvr>
+                                      <p:to>
+                                        <p:strVal val="visible"/>
+                                      </p:to>
+                                    </p:set>
+                                  </p:childTnLst>
+                                </p:cTn>
+                              </p:par>
+                              <p:par>
+                                <p:cTn id="19" presetID="1" presetClass="entr" presetSubtype="0" fill="hold" grpId="0" nodeType="withEffect">
+                                  <p:stCondLst>
+                                    <p:cond delay="0"/>
+                                  </p:stCondLst>
+                                  <p:childTnLst>
+                                    <p:set>
+                                      <p:cBhvr>
+                                        <p:cTn id="20" dur="1" fill="hold">
+                                          <p:stCondLst>
+                                            <p:cond delay="0"/>
+                                          </p:stCondLst>
+                                        </p:cTn>
+                                        <p:tgtEl>
+                                          <p:spTgt spid="6"/>
+                                        </p:tgtEl>
+                                        <p:attrNameLst>
+                                          <p:attrName>style.visibility</p:attrName>
+                                        </p:attrNameLst>
+                                      </p:cBhvr>
+                                      <p:to>
+                                        <p:strVal val="visible"/>
+                                      </p:to>
+                                    </p:set>
+                                  </p:childTnLst>
+                                </p:cTn>
+                              </p:par>
+                              <p:par>
+                                <p:cTn id="21" presetID="1" presetClass="entr" presetSubtype="0" fill="hold" grpId="0" nodeType="withEffect">
+                                  <p:stCondLst>
+                                    <p:cond delay="0"/>
+                                  </p:stCondLst>
+                                  <p:childTnLst>
+                                    <p:set>
+                                      <p:cBhvr>
+                                        <p:cTn id="22" dur="1" fill="hold">
+                                          <p:stCondLst>
+                                            <p:cond delay="0"/>
+                                          </p:stCondLst>
+                                        </p:cTn>
+                                        <p:tgtEl>
+                                          <p:spTgt spid="11"/>
+                                        </p:tgtEl>
+                                        <p:attrNameLst>
+                                          <p:attrName>style.visibility</p:attrName>
+                                        </p:attrNameLst>
+                                      </p:cBhvr>
+                                      <p:to>
+                                        <p:strVal val="visible"/>
+                                      </p:to>
+                                    </p:set>
+                                  </p:childTnLst>
+                                </p:cTn>
+                              </p:par>
+                            </p:childTnLst>
+                          </p:cTn>
+                        </p:par>
+                      </p:childTnLst>
+                    </p:cTn>
+                  </p:par>
+                  <p:par>
+                    <p:cTn id="23" fill="hold">
+                      <p:stCondLst>
+                        <p:cond delay="indefinite"/>
+                      </p:stCondLst>
+                      <p:childTnLst>
+                        <p:par>
+                          <p:cTn id="24" fill="hold">
+                            <p:stCondLst>
+                              <p:cond delay="0"/>
+                            </p:stCondLst>
+                            <p:childTnLst>
+                              <p:par>
+                                <p:cTn id="25" presetID="1" presetClass="entr" presetSubtype="0" fill="hold" grpId="0" nodeType="clickEffect">
+                                  <p:stCondLst>
+                                    <p:cond delay="0"/>
+                                  </p:stCondLst>
+                                  <p:childTnLst>
+                                    <p:set>
+                                      <p:cBhvr>
+                                        <p:cTn id="26" dur="1" fill="hold">
+                                          <p:stCondLst>
+                                            <p:cond delay="0"/>
+                                          </p:stCondLst>
+                                        </p:cTn>
+                                        <p:tgtEl>
+                                          <p:spTgt spid="9"/>
+                                        </p:tgtEl>
+                                        <p:attrNameLst>
+                                          <p:attrName>style.visibility</p:attrName>
+                                        </p:attrNameLst>
+                                      </p:cBhvr>
+                                      <p:to>
+                                        <p:strVal val="visible"/>
+                                      </p:to>
+                                    </p:set>
+                                  </p:childTnLst>
+                                </p:cTn>
+                              </p:par>
+                              <p:par>
+                                <p:cTn id="27" presetID="1" presetClass="entr" presetSubtype="0" fill="hold" grpId="0" nodeType="withEffect">
+                                  <p:stCondLst>
+                                    <p:cond delay="0"/>
+                                  </p:stCondLst>
+                                  <p:childTnLst>
+                                    <p:set>
+                                      <p:cBhvr>
+                                        <p:cTn id="28" dur="1" fill="hold">
+                                          <p:stCondLst>
+                                            <p:cond delay="0"/>
+                                          </p:stCondLst>
+                                        </p:cTn>
+                                        <p:tgtEl>
                                           <p:spTgt spid="12"/>
                                         </p:tgtEl>
                                         <p:attrNameLst>
@@ -14506,47 +17145,20 @@
                                 </p:cTn>
                               </p:par>
                               <p:par>
-                                <p:cTn id="15" presetID="1" presetClass="entr" presetSubtype="0" fill="hold" grpId="0" nodeType="withEffect">
+                                <p:cTn id="29" presetID="1" presetClass="entr" presetSubtype="0" fill="hold" grpId="0" nodeType="withEffect">
                                   <p:stCondLst>
                                     <p:cond delay="0"/>
                                   </p:stCondLst>
                                   <p:childTnLst>
                                     <p:set>
                                       <p:cBhvr>
-                                        <p:cTn id="16" dur="1" fill="hold">
+                                        <p:cTn id="30" dur="1" fill="hold">
                                           <p:stCondLst>
                                             <p:cond delay="0"/>
                                           </p:stCondLst>
                                         </p:cTn>
                                         <p:tgtEl>
                                           <p:spTgt spid="13"/>
-                                        </p:tgtEl>
-                                        <p:attrNameLst>
-                                          <p:attrName>style.visibility</p:attrName>
-                                        </p:attrNameLst>
-                                      </p:cBhvr>
-                                      <p:to>
-                                        <p:strVal val="visible"/>
-                                      </p:to>
-                                    </p:set>
-                                  </p:childTnLst>
-                                </p:cTn>
-                              </p:par>
-                              <p:par>
-                                <p:cTn id="17" presetID="1" presetClass="entr" presetSubtype="0" fill="hold" grpId="0" nodeType="withEffect">
-                                  <p:stCondLst>
-                                    <p:cond delay="0"/>
-                                  </p:stCondLst>
-                                  <p:childTnLst>
-                                    <p:set>
-                                      <p:cBhvr>
-                                        <p:cTn id="18" dur="1" fill="hold">
-                                          <p:stCondLst>
-                                            <p:cond delay="0"/>
-                                          </p:stCondLst>
-                                        </p:cTn>
-                                        <p:tgtEl>
-                                          <p:spTgt spid="9"/>
                                         </p:tgtEl>
                                         <p:attrNameLst>
                                           <p:attrName>style.visibility</p:attrName>
@@ -14587,6 +17199,8 @@
       </p:par>
     </p:tnLst>
     <p:bldLst>
+      <p:bldP spid="5" grpId="0" animBg="1"/>
+      <p:bldP spid="7" grpId="0" animBg="1"/>
       <p:bldP spid="8" grpId="0" animBg="1"/>
       <p:bldP spid="9" grpId="0" animBg="1"/>
       <p:bldP spid="6" grpId="0" animBg="1"/>
@@ -15208,6 +17822,445 @@
   <p:clrMapOvr>
     <a:masterClrMapping/>
   </p:clrMapOvr>
+  <p:timing>
+    <p:tnLst>
+      <p:par>
+        <p:cTn id="1" dur="indefinite" restart="never" nodeType="tmRoot">
+          <p:childTnLst>
+            <p:seq concurrent="1" nextAc="seek">
+              <p:cTn id="2" dur="indefinite" nodeType="mainSeq">
+                <p:childTnLst>
+                  <p:par>
+                    <p:cTn id="3" fill="hold">
+                      <p:stCondLst>
+                        <p:cond delay="indefinite"/>
+                      </p:stCondLst>
+                      <p:childTnLst>
+                        <p:par>
+                          <p:cTn id="4" fill="hold">
+                            <p:stCondLst>
+                              <p:cond delay="0"/>
+                            </p:stCondLst>
+                            <p:childTnLst>
+                              <p:par>
+                                <p:cTn id="5" presetID="1" presetClass="entr" presetSubtype="0" fill="hold" grpId="0" nodeType="clickEffect">
+                                  <p:stCondLst>
+                                    <p:cond delay="0"/>
+                                  </p:stCondLst>
+                                  <p:childTnLst>
+                                    <p:set>
+                                      <p:cBhvr>
+                                        <p:cTn id="6" dur="1" fill="hold">
+                                          <p:stCondLst>
+                                            <p:cond delay="0"/>
+                                          </p:stCondLst>
+                                        </p:cTn>
+                                        <p:tgtEl>
+                                          <p:spTgt spid="6"/>
+                                        </p:tgtEl>
+                                        <p:attrNameLst>
+                                          <p:attrName>style.visibility</p:attrName>
+                                        </p:attrNameLst>
+                                      </p:cBhvr>
+                                      <p:to>
+                                        <p:strVal val="visible"/>
+                                      </p:to>
+                                    </p:set>
+                                  </p:childTnLst>
+                                </p:cTn>
+                              </p:par>
+                              <p:par>
+                                <p:cTn id="7" presetID="1" presetClass="entr" presetSubtype="0" fill="hold" nodeType="withEffect">
+                                  <p:stCondLst>
+                                    <p:cond delay="0"/>
+                                  </p:stCondLst>
+                                  <p:childTnLst>
+                                    <p:set>
+                                      <p:cBhvr>
+                                        <p:cTn id="8" dur="1" fill="hold">
+                                          <p:stCondLst>
+                                            <p:cond delay="0"/>
+                                          </p:stCondLst>
+                                        </p:cTn>
+                                        <p:tgtEl>
+                                          <p:spTgt spid="6">
+                                            <p:txEl>
+                                              <p:pRg st="0" end="0"/>
+                                            </p:txEl>
+                                          </p:spTgt>
+                                        </p:tgtEl>
+                                        <p:attrNameLst>
+                                          <p:attrName>style.visibility</p:attrName>
+                                        </p:attrNameLst>
+                                      </p:cBhvr>
+                                      <p:to>
+                                        <p:strVal val="visible"/>
+                                      </p:to>
+                                    </p:set>
+                                  </p:childTnLst>
+                                </p:cTn>
+                              </p:par>
+                            </p:childTnLst>
+                          </p:cTn>
+                        </p:par>
+                      </p:childTnLst>
+                    </p:cTn>
+                  </p:par>
+                  <p:par>
+                    <p:cTn id="9" fill="hold">
+                      <p:stCondLst>
+                        <p:cond delay="indefinite"/>
+                      </p:stCondLst>
+                      <p:childTnLst>
+                        <p:par>
+                          <p:cTn id="10" fill="hold">
+                            <p:stCondLst>
+                              <p:cond delay="0"/>
+                            </p:stCondLst>
+                            <p:childTnLst>
+                              <p:par>
+                                <p:cTn id="11" presetID="1" presetClass="entr" presetSubtype="0" fill="hold" nodeType="clickEffect">
+                                  <p:stCondLst>
+                                    <p:cond delay="0"/>
+                                  </p:stCondLst>
+                                  <p:childTnLst>
+                                    <p:set>
+                                      <p:cBhvr>
+                                        <p:cTn id="12" dur="1" fill="hold">
+                                          <p:stCondLst>
+                                            <p:cond delay="0"/>
+                                          </p:stCondLst>
+                                        </p:cTn>
+                                        <p:tgtEl>
+                                          <p:spTgt spid="6">
+                                            <p:txEl>
+                                              <p:pRg st="1" end="1"/>
+                                            </p:txEl>
+                                          </p:spTgt>
+                                        </p:tgtEl>
+                                        <p:attrNameLst>
+                                          <p:attrName>style.visibility</p:attrName>
+                                        </p:attrNameLst>
+                                      </p:cBhvr>
+                                      <p:to>
+                                        <p:strVal val="visible"/>
+                                      </p:to>
+                                    </p:set>
+                                  </p:childTnLst>
+                                </p:cTn>
+                              </p:par>
+                              <p:par>
+                                <p:cTn id="13" presetID="1" presetClass="entr" presetSubtype="0" fill="hold" nodeType="withEffect">
+                                  <p:stCondLst>
+                                    <p:cond delay="0"/>
+                                  </p:stCondLst>
+                                  <p:childTnLst>
+                                    <p:set>
+                                      <p:cBhvr>
+                                        <p:cTn id="14" dur="1" fill="hold">
+                                          <p:stCondLst>
+                                            <p:cond delay="0"/>
+                                          </p:stCondLst>
+                                        </p:cTn>
+                                        <p:tgtEl>
+                                          <p:spTgt spid="6">
+                                            <p:txEl>
+                                              <p:pRg st="2" end="2"/>
+                                            </p:txEl>
+                                          </p:spTgt>
+                                        </p:tgtEl>
+                                        <p:attrNameLst>
+                                          <p:attrName>style.visibility</p:attrName>
+                                        </p:attrNameLst>
+                                      </p:cBhvr>
+                                      <p:to>
+                                        <p:strVal val="visible"/>
+                                      </p:to>
+                                    </p:set>
+                                  </p:childTnLst>
+                                </p:cTn>
+                              </p:par>
+                              <p:par>
+                                <p:cTn id="15" presetID="1" presetClass="entr" presetSubtype="0" fill="hold" nodeType="withEffect">
+                                  <p:stCondLst>
+                                    <p:cond delay="0"/>
+                                  </p:stCondLst>
+                                  <p:childTnLst>
+                                    <p:set>
+                                      <p:cBhvr>
+                                        <p:cTn id="16" dur="1" fill="hold">
+                                          <p:stCondLst>
+                                            <p:cond delay="0"/>
+                                          </p:stCondLst>
+                                        </p:cTn>
+                                        <p:tgtEl>
+                                          <p:spTgt spid="6">
+                                            <p:txEl>
+                                              <p:pRg st="3" end="3"/>
+                                            </p:txEl>
+                                          </p:spTgt>
+                                        </p:tgtEl>
+                                        <p:attrNameLst>
+                                          <p:attrName>style.visibility</p:attrName>
+                                        </p:attrNameLst>
+                                      </p:cBhvr>
+                                      <p:to>
+                                        <p:strVal val="visible"/>
+                                      </p:to>
+                                    </p:set>
+                                  </p:childTnLst>
+                                </p:cTn>
+                              </p:par>
+                              <p:par>
+                                <p:cTn id="17" presetID="1" presetClass="entr" presetSubtype="0" fill="hold" nodeType="withEffect">
+                                  <p:stCondLst>
+                                    <p:cond delay="0"/>
+                                  </p:stCondLst>
+                                  <p:childTnLst>
+                                    <p:set>
+                                      <p:cBhvr>
+                                        <p:cTn id="18" dur="1" fill="hold">
+                                          <p:stCondLst>
+                                            <p:cond delay="0"/>
+                                          </p:stCondLst>
+                                        </p:cTn>
+                                        <p:tgtEl>
+                                          <p:spTgt spid="6">
+                                            <p:txEl>
+                                              <p:pRg st="4" end="4"/>
+                                            </p:txEl>
+                                          </p:spTgt>
+                                        </p:tgtEl>
+                                        <p:attrNameLst>
+                                          <p:attrName>style.visibility</p:attrName>
+                                        </p:attrNameLst>
+                                      </p:cBhvr>
+                                      <p:to>
+                                        <p:strVal val="visible"/>
+                                      </p:to>
+                                    </p:set>
+                                  </p:childTnLst>
+                                </p:cTn>
+                              </p:par>
+                            </p:childTnLst>
+                          </p:cTn>
+                        </p:par>
+                      </p:childTnLst>
+                    </p:cTn>
+                  </p:par>
+                  <p:par>
+                    <p:cTn id="19" fill="hold">
+                      <p:stCondLst>
+                        <p:cond delay="indefinite"/>
+                      </p:stCondLst>
+                      <p:childTnLst>
+                        <p:par>
+                          <p:cTn id="20" fill="hold">
+                            <p:stCondLst>
+                              <p:cond delay="0"/>
+                            </p:stCondLst>
+                            <p:childTnLst>
+                              <p:par>
+                                <p:cTn id="21" presetID="1" presetClass="entr" presetSubtype="0" fill="hold" nodeType="clickEffect">
+                                  <p:stCondLst>
+                                    <p:cond delay="0"/>
+                                  </p:stCondLst>
+                                  <p:childTnLst>
+                                    <p:set>
+                                      <p:cBhvr>
+                                        <p:cTn id="22" dur="1" fill="hold">
+                                          <p:stCondLst>
+                                            <p:cond delay="0"/>
+                                          </p:stCondLst>
+                                        </p:cTn>
+                                        <p:tgtEl>
+                                          <p:spTgt spid="6">
+                                            <p:txEl>
+                                              <p:pRg st="5" end="5"/>
+                                            </p:txEl>
+                                          </p:spTgt>
+                                        </p:tgtEl>
+                                        <p:attrNameLst>
+                                          <p:attrName>style.visibility</p:attrName>
+                                        </p:attrNameLst>
+                                      </p:cBhvr>
+                                      <p:to>
+                                        <p:strVal val="visible"/>
+                                      </p:to>
+                                    </p:set>
+                                  </p:childTnLst>
+                                </p:cTn>
+                              </p:par>
+                              <p:par>
+                                <p:cTn id="23" presetID="1" presetClass="entr" presetSubtype="0" fill="hold" nodeType="withEffect">
+                                  <p:stCondLst>
+                                    <p:cond delay="0"/>
+                                  </p:stCondLst>
+                                  <p:childTnLst>
+                                    <p:set>
+                                      <p:cBhvr>
+                                        <p:cTn id="24" dur="1" fill="hold">
+                                          <p:stCondLst>
+                                            <p:cond delay="0"/>
+                                          </p:stCondLst>
+                                        </p:cTn>
+                                        <p:tgtEl>
+                                          <p:spTgt spid="6">
+                                            <p:txEl>
+                                              <p:pRg st="6" end="6"/>
+                                            </p:txEl>
+                                          </p:spTgt>
+                                        </p:tgtEl>
+                                        <p:attrNameLst>
+                                          <p:attrName>style.visibility</p:attrName>
+                                        </p:attrNameLst>
+                                      </p:cBhvr>
+                                      <p:to>
+                                        <p:strVal val="visible"/>
+                                      </p:to>
+                                    </p:set>
+                                  </p:childTnLst>
+                                </p:cTn>
+                              </p:par>
+                              <p:par>
+                                <p:cTn id="25" presetID="1" presetClass="entr" presetSubtype="0" fill="hold" nodeType="withEffect">
+                                  <p:stCondLst>
+                                    <p:cond delay="0"/>
+                                  </p:stCondLst>
+                                  <p:childTnLst>
+                                    <p:set>
+                                      <p:cBhvr>
+                                        <p:cTn id="26" dur="1" fill="hold">
+                                          <p:stCondLst>
+                                            <p:cond delay="0"/>
+                                          </p:stCondLst>
+                                        </p:cTn>
+                                        <p:tgtEl>
+                                          <p:spTgt spid="6">
+                                            <p:txEl>
+                                              <p:pRg st="7" end="7"/>
+                                            </p:txEl>
+                                          </p:spTgt>
+                                        </p:tgtEl>
+                                        <p:attrNameLst>
+                                          <p:attrName>style.visibility</p:attrName>
+                                        </p:attrNameLst>
+                                      </p:cBhvr>
+                                      <p:to>
+                                        <p:strVal val="visible"/>
+                                      </p:to>
+                                    </p:set>
+                                  </p:childTnLst>
+                                </p:cTn>
+                              </p:par>
+                              <p:par>
+                                <p:cTn id="27" presetID="1" presetClass="entr" presetSubtype="0" fill="hold" nodeType="withEffect">
+                                  <p:stCondLst>
+                                    <p:cond delay="0"/>
+                                  </p:stCondLst>
+                                  <p:childTnLst>
+                                    <p:set>
+                                      <p:cBhvr>
+                                        <p:cTn id="28" dur="1" fill="hold">
+                                          <p:stCondLst>
+                                            <p:cond delay="0"/>
+                                          </p:stCondLst>
+                                        </p:cTn>
+                                        <p:tgtEl>
+                                          <p:spTgt spid="6">
+                                            <p:txEl>
+                                              <p:pRg st="8" end="8"/>
+                                            </p:txEl>
+                                          </p:spTgt>
+                                        </p:tgtEl>
+                                        <p:attrNameLst>
+                                          <p:attrName>style.visibility</p:attrName>
+                                        </p:attrNameLst>
+                                      </p:cBhvr>
+                                      <p:to>
+                                        <p:strVal val="visible"/>
+                                      </p:to>
+                                    </p:set>
+                                  </p:childTnLst>
+                                </p:cTn>
+                              </p:par>
+                            </p:childTnLst>
+                          </p:cTn>
+                        </p:par>
+                      </p:childTnLst>
+                    </p:cTn>
+                  </p:par>
+                  <p:par>
+                    <p:cTn id="29" fill="hold">
+                      <p:stCondLst>
+                        <p:cond delay="indefinite"/>
+                      </p:stCondLst>
+                      <p:childTnLst>
+                        <p:par>
+                          <p:cTn id="30" fill="hold">
+                            <p:stCondLst>
+                              <p:cond delay="0"/>
+                            </p:stCondLst>
+                            <p:childTnLst>
+                              <p:par>
+                                <p:cTn id="31" presetID="1" presetClass="entr" presetSubtype="0" fill="hold" grpId="0" nodeType="clickEffect">
+                                  <p:stCondLst>
+                                    <p:cond delay="0"/>
+                                  </p:stCondLst>
+                                  <p:childTnLst>
+                                    <p:set>
+                                      <p:cBhvr>
+                                        <p:cTn id="32" dur="1" fill="hold">
+                                          <p:stCondLst>
+                                            <p:cond delay="0"/>
+                                          </p:stCondLst>
+                                        </p:cTn>
+                                        <p:tgtEl>
+                                          <p:spTgt spid="2"/>
+                                        </p:tgtEl>
+                                        <p:attrNameLst>
+                                          <p:attrName>style.visibility</p:attrName>
+                                        </p:attrNameLst>
+                                      </p:cBhvr>
+                                      <p:to>
+                                        <p:strVal val="visible"/>
+                                      </p:to>
+                                    </p:set>
+                                  </p:childTnLst>
+                                </p:cTn>
+                              </p:par>
+                            </p:childTnLst>
+                          </p:cTn>
+                        </p:par>
+                      </p:childTnLst>
+                    </p:cTn>
+                  </p:par>
+                </p:childTnLst>
+              </p:cTn>
+              <p:prevCondLst>
+                <p:cond evt="onPrev" delay="0">
+                  <p:tgtEl>
+                    <p:sldTgt/>
+                  </p:tgtEl>
+                </p:cond>
+              </p:prevCondLst>
+              <p:nextCondLst>
+                <p:cond evt="onNext" delay="0">
+                  <p:tgtEl>
+                    <p:sldTgt/>
+                  </p:tgtEl>
+                </p:cond>
+              </p:nextCondLst>
+            </p:seq>
+          </p:childTnLst>
+        </p:cTn>
+      </p:par>
+    </p:tnLst>
+    <p:bldLst>
+      <p:bldP spid="6" grpId="0" animBg="1"/>
+      <p:bldP spid="2" grpId="0"/>
+    </p:bldLst>
+  </p:timing>
 </p:sld>
 </file>
 
@@ -15320,7 +18373,7 @@
         </p:nvSpPr>
         <p:spPr bwMode="auto">
           <a:xfrm>
-            <a:off x="912812" y="2541896"/>
+            <a:off x="909624" y="2438400"/>
             <a:ext cx="10363202" cy="3384003"/>
           </a:xfrm>
           <a:prstGeom prst="rect">
@@ -15796,6 +18849,401 @@
   <p:clrMapOvr>
     <a:masterClrMapping/>
   </p:clrMapOvr>
+  <p:timing>
+    <p:tnLst>
+      <p:par>
+        <p:cTn id="1" dur="indefinite" restart="never" nodeType="tmRoot">
+          <p:childTnLst>
+            <p:seq concurrent="1" nextAc="seek">
+              <p:cTn id="2" dur="indefinite" nodeType="mainSeq">
+                <p:childTnLst>
+                  <p:par>
+                    <p:cTn id="3" fill="hold">
+                      <p:stCondLst>
+                        <p:cond delay="indefinite"/>
+                      </p:stCondLst>
+                      <p:childTnLst>
+                        <p:par>
+                          <p:cTn id="4" fill="hold">
+                            <p:stCondLst>
+                              <p:cond delay="0"/>
+                            </p:stCondLst>
+                            <p:childTnLst>
+                              <p:par>
+                                <p:cTn id="5" presetID="1" presetClass="entr" presetSubtype="0" fill="hold" grpId="0" nodeType="clickEffect">
+                                  <p:stCondLst>
+                                    <p:cond delay="0"/>
+                                  </p:stCondLst>
+                                  <p:childTnLst>
+                                    <p:set>
+                                      <p:cBhvr>
+                                        <p:cTn id="6" dur="1" fill="hold">
+                                          <p:stCondLst>
+                                            <p:cond delay="0"/>
+                                          </p:stCondLst>
+                                        </p:cTn>
+                                        <p:tgtEl>
+                                          <p:spTgt spid="5"/>
+                                        </p:tgtEl>
+                                        <p:attrNameLst>
+                                          <p:attrName>style.visibility</p:attrName>
+                                        </p:attrNameLst>
+                                      </p:cBhvr>
+                                      <p:to>
+                                        <p:strVal val="visible"/>
+                                      </p:to>
+                                    </p:set>
+                                  </p:childTnLst>
+                                </p:cTn>
+                              </p:par>
+                              <p:par>
+                                <p:cTn id="7" presetID="1" presetClass="entr" presetSubtype="0" fill="hold" nodeType="withEffect">
+                                  <p:stCondLst>
+                                    <p:cond delay="0"/>
+                                  </p:stCondLst>
+                                  <p:childTnLst>
+                                    <p:set>
+                                      <p:cBhvr>
+                                        <p:cTn id="8" dur="1" fill="hold">
+                                          <p:stCondLst>
+                                            <p:cond delay="0"/>
+                                          </p:stCondLst>
+                                        </p:cTn>
+                                        <p:tgtEl>
+                                          <p:spTgt spid="5">
+                                            <p:txEl>
+                                              <p:pRg st="0" end="0"/>
+                                            </p:txEl>
+                                          </p:spTgt>
+                                        </p:tgtEl>
+                                        <p:attrNameLst>
+                                          <p:attrName>style.visibility</p:attrName>
+                                        </p:attrNameLst>
+                                      </p:cBhvr>
+                                      <p:to>
+                                        <p:strVal val="visible"/>
+                                      </p:to>
+                                    </p:set>
+                                  </p:childTnLst>
+                                </p:cTn>
+                              </p:par>
+                            </p:childTnLst>
+                          </p:cTn>
+                        </p:par>
+                      </p:childTnLst>
+                    </p:cTn>
+                  </p:par>
+                  <p:par>
+                    <p:cTn id="9" fill="hold">
+                      <p:stCondLst>
+                        <p:cond delay="indefinite"/>
+                      </p:stCondLst>
+                      <p:childTnLst>
+                        <p:par>
+                          <p:cTn id="10" fill="hold">
+                            <p:stCondLst>
+                              <p:cond delay="0"/>
+                            </p:stCondLst>
+                            <p:childTnLst>
+                              <p:par>
+                                <p:cTn id="11" presetID="1" presetClass="entr" presetSubtype="0" fill="hold" nodeType="clickEffect">
+                                  <p:stCondLst>
+                                    <p:cond delay="0"/>
+                                  </p:stCondLst>
+                                  <p:childTnLst>
+                                    <p:set>
+                                      <p:cBhvr>
+                                        <p:cTn id="12" dur="1" fill="hold">
+                                          <p:stCondLst>
+                                            <p:cond delay="0"/>
+                                          </p:stCondLst>
+                                        </p:cTn>
+                                        <p:tgtEl>
+                                          <p:spTgt spid="5">
+                                            <p:txEl>
+                                              <p:pRg st="1" end="1"/>
+                                            </p:txEl>
+                                          </p:spTgt>
+                                        </p:tgtEl>
+                                        <p:attrNameLst>
+                                          <p:attrName>style.visibility</p:attrName>
+                                        </p:attrNameLst>
+                                      </p:cBhvr>
+                                      <p:to>
+                                        <p:strVal val="visible"/>
+                                      </p:to>
+                                    </p:set>
+                                  </p:childTnLst>
+                                </p:cTn>
+                              </p:par>
+                              <p:par>
+                                <p:cTn id="13" presetID="1" presetClass="entr" presetSubtype="0" fill="hold" nodeType="withEffect">
+                                  <p:stCondLst>
+                                    <p:cond delay="0"/>
+                                  </p:stCondLst>
+                                  <p:childTnLst>
+                                    <p:set>
+                                      <p:cBhvr>
+                                        <p:cTn id="14" dur="1" fill="hold">
+                                          <p:stCondLst>
+                                            <p:cond delay="0"/>
+                                          </p:stCondLst>
+                                        </p:cTn>
+                                        <p:tgtEl>
+                                          <p:spTgt spid="5">
+                                            <p:txEl>
+                                              <p:pRg st="2" end="2"/>
+                                            </p:txEl>
+                                          </p:spTgt>
+                                        </p:tgtEl>
+                                        <p:attrNameLst>
+                                          <p:attrName>style.visibility</p:attrName>
+                                        </p:attrNameLst>
+                                      </p:cBhvr>
+                                      <p:to>
+                                        <p:strVal val="visible"/>
+                                      </p:to>
+                                    </p:set>
+                                  </p:childTnLst>
+                                </p:cTn>
+                              </p:par>
+                            </p:childTnLst>
+                          </p:cTn>
+                        </p:par>
+                      </p:childTnLst>
+                    </p:cTn>
+                  </p:par>
+                  <p:par>
+                    <p:cTn id="15" fill="hold">
+                      <p:stCondLst>
+                        <p:cond delay="indefinite"/>
+                      </p:stCondLst>
+                      <p:childTnLst>
+                        <p:par>
+                          <p:cTn id="16" fill="hold">
+                            <p:stCondLst>
+                              <p:cond delay="0"/>
+                            </p:stCondLst>
+                            <p:childTnLst>
+                              <p:par>
+                                <p:cTn id="17" presetID="1" presetClass="entr" presetSubtype="0" fill="hold" nodeType="clickEffect">
+                                  <p:stCondLst>
+                                    <p:cond delay="0"/>
+                                  </p:stCondLst>
+                                  <p:childTnLst>
+                                    <p:set>
+                                      <p:cBhvr>
+                                        <p:cTn id="18" dur="1" fill="hold">
+                                          <p:stCondLst>
+                                            <p:cond delay="0"/>
+                                          </p:stCondLst>
+                                        </p:cTn>
+                                        <p:tgtEl>
+                                          <p:spTgt spid="5">
+                                            <p:txEl>
+                                              <p:pRg st="3" end="3"/>
+                                            </p:txEl>
+                                          </p:spTgt>
+                                        </p:tgtEl>
+                                        <p:attrNameLst>
+                                          <p:attrName>style.visibility</p:attrName>
+                                        </p:attrNameLst>
+                                      </p:cBhvr>
+                                      <p:to>
+                                        <p:strVal val="visible"/>
+                                      </p:to>
+                                    </p:set>
+                                  </p:childTnLst>
+                                </p:cTn>
+                              </p:par>
+                              <p:par>
+                                <p:cTn id="19" presetID="1" presetClass="entr" presetSubtype="0" fill="hold" nodeType="withEffect">
+                                  <p:stCondLst>
+                                    <p:cond delay="0"/>
+                                  </p:stCondLst>
+                                  <p:childTnLst>
+                                    <p:set>
+                                      <p:cBhvr>
+                                        <p:cTn id="20" dur="1" fill="hold">
+                                          <p:stCondLst>
+                                            <p:cond delay="0"/>
+                                          </p:stCondLst>
+                                        </p:cTn>
+                                        <p:tgtEl>
+                                          <p:spTgt spid="5">
+                                            <p:txEl>
+                                              <p:pRg st="4" end="4"/>
+                                            </p:txEl>
+                                          </p:spTgt>
+                                        </p:tgtEl>
+                                        <p:attrNameLst>
+                                          <p:attrName>style.visibility</p:attrName>
+                                        </p:attrNameLst>
+                                      </p:cBhvr>
+                                      <p:to>
+                                        <p:strVal val="visible"/>
+                                      </p:to>
+                                    </p:set>
+                                  </p:childTnLst>
+                                </p:cTn>
+                              </p:par>
+                            </p:childTnLst>
+                          </p:cTn>
+                        </p:par>
+                      </p:childTnLst>
+                    </p:cTn>
+                  </p:par>
+                  <p:par>
+                    <p:cTn id="21" fill="hold">
+                      <p:stCondLst>
+                        <p:cond delay="indefinite"/>
+                      </p:stCondLst>
+                      <p:childTnLst>
+                        <p:par>
+                          <p:cTn id="22" fill="hold">
+                            <p:stCondLst>
+                              <p:cond delay="0"/>
+                            </p:stCondLst>
+                            <p:childTnLst>
+                              <p:par>
+                                <p:cTn id="23" presetID="1" presetClass="entr" presetSubtype="0" fill="hold" nodeType="clickEffect">
+                                  <p:stCondLst>
+                                    <p:cond delay="0"/>
+                                  </p:stCondLst>
+                                  <p:childTnLst>
+                                    <p:set>
+                                      <p:cBhvr>
+                                        <p:cTn id="24" dur="1" fill="hold">
+                                          <p:stCondLst>
+                                            <p:cond delay="0"/>
+                                          </p:stCondLst>
+                                        </p:cTn>
+                                        <p:tgtEl>
+                                          <p:spTgt spid="5">
+                                            <p:txEl>
+                                              <p:pRg st="5" end="5"/>
+                                            </p:txEl>
+                                          </p:spTgt>
+                                        </p:tgtEl>
+                                        <p:attrNameLst>
+                                          <p:attrName>style.visibility</p:attrName>
+                                        </p:attrNameLst>
+                                      </p:cBhvr>
+                                      <p:to>
+                                        <p:strVal val="visible"/>
+                                      </p:to>
+                                    </p:set>
+                                  </p:childTnLst>
+                                </p:cTn>
+                              </p:par>
+                              <p:par>
+                                <p:cTn id="25" presetID="1" presetClass="entr" presetSubtype="0" fill="hold" nodeType="withEffect">
+                                  <p:stCondLst>
+                                    <p:cond delay="0"/>
+                                  </p:stCondLst>
+                                  <p:childTnLst>
+                                    <p:set>
+                                      <p:cBhvr>
+                                        <p:cTn id="26" dur="1" fill="hold">
+                                          <p:stCondLst>
+                                            <p:cond delay="0"/>
+                                          </p:stCondLst>
+                                        </p:cTn>
+                                        <p:tgtEl>
+                                          <p:spTgt spid="5">
+                                            <p:txEl>
+                                              <p:pRg st="6" end="6"/>
+                                            </p:txEl>
+                                          </p:spTgt>
+                                        </p:tgtEl>
+                                        <p:attrNameLst>
+                                          <p:attrName>style.visibility</p:attrName>
+                                        </p:attrNameLst>
+                                      </p:cBhvr>
+                                      <p:to>
+                                        <p:strVal val="visible"/>
+                                      </p:to>
+                                    </p:set>
+                                  </p:childTnLst>
+                                </p:cTn>
+                              </p:par>
+                            </p:childTnLst>
+                          </p:cTn>
+                        </p:par>
+                      </p:childTnLst>
+                    </p:cTn>
+                  </p:par>
+                  <p:par>
+                    <p:cTn id="27" fill="hold">
+                      <p:stCondLst>
+                        <p:cond delay="indefinite"/>
+                      </p:stCondLst>
+                      <p:childTnLst>
+                        <p:par>
+                          <p:cTn id="28" fill="hold">
+                            <p:stCondLst>
+                              <p:cond delay="0"/>
+                            </p:stCondLst>
+                            <p:childTnLst>
+                              <p:par>
+                                <p:cTn id="29" presetID="1" presetClass="entr" presetSubtype="0" fill="hold" grpId="0" nodeType="clickEffect">
+                                  <p:stCondLst>
+                                    <p:cond delay="0"/>
+                                  </p:stCondLst>
+                                  <p:childTnLst>
+                                    <p:set>
+                                      <p:cBhvr>
+                                        <p:cTn id="30" dur="1" fill="hold">
+                                          <p:stCondLst>
+                                            <p:cond delay="0"/>
+                                          </p:stCondLst>
+                                        </p:cTn>
+                                        <p:tgtEl>
+                                          <p:spTgt spid="2"/>
+                                        </p:tgtEl>
+                                        <p:attrNameLst>
+                                          <p:attrName>style.visibility</p:attrName>
+                                        </p:attrNameLst>
+                                      </p:cBhvr>
+                                      <p:to>
+                                        <p:strVal val="visible"/>
+                                      </p:to>
+                                    </p:set>
+                                  </p:childTnLst>
+                                </p:cTn>
+                              </p:par>
+                            </p:childTnLst>
+                          </p:cTn>
+                        </p:par>
+                      </p:childTnLst>
+                    </p:cTn>
+                  </p:par>
+                </p:childTnLst>
+              </p:cTn>
+              <p:prevCondLst>
+                <p:cond evt="onPrev" delay="0">
+                  <p:tgtEl>
+                    <p:sldTgt/>
+                  </p:tgtEl>
+                </p:cond>
+              </p:prevCondLst>
+              <p:nextCondLst>
+                <p:cond evt="onNext" delay="0">
+                  <p:tgtEl>
+                    <p:sldTgt/>
+                  </p:tgtEl>
+                </p:cond>
+              </p:nextCondLst>
+            </p:seq>
+          </p:childTnLst>
+        </p:cTn>
+      </p:par>
+    </p:tnLst>
+    <p:bldLst>
+      <p:bldP spid="5" grpId="0" animBg="1"/>
+      <p:bldP spid="2" grpId="0"/>
+    </p:bldLst>
+  </p:timing>
 </p:sld>
 </file>
 
